--- a/resources/SS Salud Xalapa.pptx
+++ b/resources/SS Salud Xalapa.pptx
@@ -5,11 +5,20 @@
     <p:sldMasterId id="2147483648" r:id="rId1"/>
   </p:sldMasterIdLst>
   <p:notesMasterIdLst>
-    <p:notesMasterId r:id="rId4"/>
+    <p:notesMasterId r:id="rId13"/>
   </p:notesMasterIdLst>
   <p:sldIdLst>
     <p:sldId id="256" r:id="rId2"/>
     <p:sldId id="257" r:id="rId3"/>
+    <p:sldId id="259" r:id="rId4"/>
+    <p:sldId id="260" r:id="rId5"/>
+    <p:sldId id="261" r:id="rId6"/>
+    <p:sldId id="262" r:id="rId7"/>
+    <p:sldId id="263" r:id="rId8"/>
+    <p:sldId id="264" r:id="rId9"/>
+    <p:sldId id="265" r:id="rId10"/>
+    <p:sldId id="266" r:id="rId11"/>
+    <p:sldId id="258" r:id="rId12"/>
   </p:sldIdLst>
   <p:sldSz cx="9144000" cy="6858000" type="screen4x3"/>
   <p:notesSz cx="6858000" cy="9144000"/>
@@ -505,7 +514,7 @@
           <a:bodyPr/>
           <a:lstStyle/>
           <a:p>
-            <a:endParaRPr lang="es-MX"/>
+            <a:endParaRPr lang="es-MX" dirty="0"/>
           </a:p>
         </p:txBody>
       </p:sp>
@@ -536,6 +545,1084 @@
     <p:extLst>
       <p:ext uri="{BB962C8B-B14F-4D97-AF65-F5344CB8AC3E}">
         <p14:creationId xmlns:p14="http://schemas.microsoft.com/office/powerpoint/2010/main" val="4177141537"/>
+      </p:ext>
+    </p:extLst>
+  </p:cSld>
+  <p:clrMapOvr>
+    <a:masterClrMapping/>
+  </p:clrMapOvr>
+</p:notes>
+</file>
+
+<file path=ppt/notesSlides/notesSlide10.xml><?xml version="1.0" encoding="utf-8"?>
+<p:notes xmlns:a="http://schemas.openxmlformats.org/drawingml/2006/main" xmlns:r="http://schemas.openxmlformats.org/officeDocument/2006/relationships" xmlns:p="http://schemas.openxmlformats.org/presentationml/2006/main">
+  <p:cSld>
+    <p:spTree>
+      <p:nvGrpSpPr>
+        <p:cNvPr id="1" name=""/>
+        <p:cNvGrpSpPr/>
+        <p:nvPr/>
+      </p:nvGrpSpPr>
+      <p:grpSpPr>
+        <a:xfrm>
+          <a:off x="0" y="0"/>
+          <a:ext cx="0" cy="0"/>
+          <a:chOff x="0" y="0"/>
+          <a:chExt cx="0" cy="0"/>
+        </a:xfrm>
+      </p:grpSpPr>
+      <p:sp>
+        <p:nvSpPr>
+          <p:cNvPr id="2" name="1 Marcador de imagen de diapositiva"/>
+          <p:cNvSpPr>
+            <a:spLocks noGrp="1" noRot="1" noChangeAspect="1"/>
+          </p:cNvSpPr>
+          <p:nvPr>
+            <p:ph type="sldImg"/>
+          </p:nvPr>
+        </p:nvSpPr>
+        <p:spPr/>
+      </p:sp>
+      <p:sp>
+        <p:nvSpPr>
+          <p:cNvPr id="3" name="2 Marcador de notas"/>
+          <p:cNvSpPr>
+            <a:spLocks noGrp="1"/>
+          </p:cNvSpPr>
+          <p:nvPr>
+            <p:ph type="body" idx="1"/>
+          </p:nvPr>
+        </p:nvSpPr>
+        <p:spPr/>
+        <p:txBody>
+          <a:bodyPr/>
+          <a:lstStyle/>
+          <a:p>
+            <a:r>
+              <a:rPr lang="es-MX" dirty="0" smtClean="0"/>
+              <a:t>Cronograma</a:t>
+            </a:r>
+            <a:r>
+              <a:rPr lang="es-MX" baseline="0" dirty="0" smtClean="0"/>
+              <a:t>:</a:t>
+            </a:r>
+            <a:endParaRPr lang="es-MX" dirty="0" smtClean="0"/>
+          </a:p>
+          <a:p>
+            <a:pPr marL="171450" indent="-171450">
+              <a:buFontTx/>
+              <a:buChar char="-"/>
+            </a:pPr>
+            <a:r>
+              <a:rPr lang="es-MX" baseline="0" dirty="0" smtClean="0"/>
+              <a:t>Representación del cronograma de actividades y visión de evolución del proyecto</a:t>
+            </a:r>
+          </a:p>
+        </p:txBody>
+      </p:sp>
+      <p:sp>
+        <p:nvSpPr>
+          <p:cNvPr id="4" name="3 Marcador de número de diapositiva"/>
+          <p:cNvSpPr>
+            <a:spLocks noGrp="1"/>
+          </p:cNvSpPr>
+          <p:nvPr>
+            <p:ph type="sldNum" sz="quarter" idx="10"/>
+          </p:nvPr>
+        </p:nvSpPr>
+        <p:spPr/>
+        <p:txBody>
+          <a:bodyPr/>
+          <a:lstStyle/>
+          <a:p>
+            <a:fld id="{4EB139D4-7342-4180-9F4B-61BCE6F43409}" type="slidenum">
+              <a:rPr lang="es-MX" smtClean="0"/>
+              <a:t>10</a:t>
+            </a:fld>
+            <a:endParaRPr lang="es-MX"/>
+          </a:p>
+        </p:txBody>
+      </p:sp>
+    </p:spTree>
+    <p:extLst>
+      <p:ext uri="{BB962C8B-B14F-4D97-AF65-F5344CB8AC3E}">
+        <p14:creationId xmlns:p14="http://schemas.microsoft.com/office/powerpoint/2010/main" val="2678572558"/>
+      </p:ext>
+    </p:extLst>
+  </p:cSld>
+  <p:clrMapOvr>
+    <a:masterClrMapping/>
+  </p:clrMapOvr>
+</p:notes>
+</file>
+
+<file path=ppt/notesSlides/notesSlide11.xml><?xml version="1.0" encoding="utf-8"?>
+<p:notes xmlns:a="http://schemas.openxmlformats.org/drawingml/2006/main" xmlns:r="http://schemas.openxmlformats.org/officeDocument/2006/relationships" xmlns:p="http://schemas.openxmlformats.org/presentationml/2006/main">
+  <p:cSld>
+    <p:spTree>
+      <p:nvGrpSpPr>
+        <p:cNvPr id="1" name=""/>
+        <p:cNvGrpSpPr/>
+        <p:nvPr/>
+      </p:nvGrpSpPr>
+      <p:grpSpPr>
+        <a:xfrm>
+          <a:off x="0" y="0"/>
+          <a:ext cx="0" cy="0"/>
+          <a:chOff x="0" y="0"/>
+          <a:chExt cx="0" cy="0"/>
+        </a:xfrm>
+      </p:grpSpPr>
+      <p:sp>
+        <p:nvSpPr>
+          <p:cNvPr id="2" name="1 Marcador de imagen de diapositiva"/>
+          <p:cNvSpPr>
+            <a:spLocks noGrp="1" noRot="1" noChangeAspect="1"/>
+          </p:cNvSpPr>
+          <p:nvPr>
+            <p:ph type="sldImg"/>
+          </p:nvPr>
+        </p:nvSpPr>
+        <p:spPr/>
+      </p:sp>
+      <p:sp>
+        <p:nvSpPr>
+          <p:cNvPr id="3" name="2 Marcador de notas"/>
+          <p:cNvSpPr>
+            <a:spLocks noGrp="1"/>
+          </p:cNvSpPr>
+          <p:nvPr>
+            <p:ph type="body" idx="1"/>
+          </p:nvPr>
+        </p:nvSpPr>
+        <p:spPr/>
+        <p:txBody>
+          <a:bodyPr/>
+          <a:lstStyle/>
+          <a:p>
+            <a:endParaRPr lang="es-MX"/>
+          </a:p>
+        </p:txBody>
+      </p:sp>
+      <p:sp>
+        <p:nvSpPr>
+          <p:cNvPr id="4" name="3 Marcador de número de diapositiva"/>
+          <p:cNvSpPr>
+            <a:spLocks noGrp="1"/>
+          </p:cNvSpPr>
+          <p:nvPr>
+            <p:ph type="sldNum" sz="quarter" idx="10"/>
+          </p:nvPr>
+        </p:nvSpPr>
+        <p:spPr/>
+        <p:txBody>
+          <a:bodyPr/>
+          <a:lstStyle/>
+          <a:p>
+            <a:fld id="{4EB139D4-7342-4180-9F4B-61BCE6F43409}" type="slidenum">
+              <a:rPr lang="es-MX" smtClean="0"/>
+              <a:t>11</a:t>
+            </a:fld>
+            <a:endParaRPr lang="es-MX"/>
+          </a:p>
+        </p:txBody>
+      </p:sp>
+    </p:spTree>
+    <p:extLst>
+      <p:ext uri="{BB962C8B-B14F-4D97-AF65-F5344CB8AC3E}">
+        <p14:creationId xmlns:p14="http://schemas.microsoft.com/office/powerpoint/2010/main" val="4177141537"/>
+      </p:ext>
+    </p:extLst>
+  </p:cSld>
+  <p:clrMapOvr>
+    <a:masterClrMapping/>
+  </p:clrMapOvr>
+</p:notes>
+</file>
+
+<file path=ppt/notesSlides/notesSlide2.xml><?xml version="1.0" encoding="utf-8"?>
+<p:notes xmlns:a="http://schemas.openxmlformats.org/drawingml/2006/main" xmlns:r="http://schemas.openxmlformats.org/officeDocument/2006/relationships" xmlns:p="http://schemas.openxmlformats.org/presentationml/2006/main">
+  <p:cSld>
+    <p:spTree>
+      <p:nvGrpSpPr>
+        <p:cNvPr id="1" name=""/>
+        <p:cNvGrpSpPr/>
+        <p:nvPr/>
+      </p:nvGrpSpPr>
+      <p:grpSpPr>
+        <a:xfrm>
+          <a:off x="0" y="0"/>
+          <a:ext cx="0" cy="0"/>
+          <a:chOff x="0" y="0"/>
+          <a:chExt cx="0" cy="0"/>
+        </a:xfrm>
+      </p:grpSpPr>
+      <p:sp>
+        <p:nvSpPr>
+          <p:cNvPr id="2" name="1 Marcador de imagen de diapositiva"/>
+          <p:cNvSpPr>
+            <a:spLocks noGrp="1" noRot="1" noChangeAspect="1"/>
+          </p:cNvSpPr>
+          <p:nvPr>
+            <p:ph type="sldImg"/>
+          </p:nvPr>
+        </p:nvSpPr>
+        <p:spPr/>
+      </p:sp>
+      <p:sp>
+        <p:nvSpPr>
+          <p:cNvPr id="3" name="2 Marcador de notas"/>
+          <p:cNvSpPr>
+            <a:spLocks noGrp="1"/>
+          </p:cNvSpPr>
+          <p:nvPr>
+            <p:ph type="body" idx="1"/>
+          </p:nvPr>
+        </p:nvSpPr>
+        <p:spPr/>
+        <p:txBody>
+          <a:bodyPr/>
+          <a:lstStyle/>
+          <a:p>
+            <a:r>
+              <a:rPr lang="es-MX" dirty="0" smtClean="0"/>
+              <a:t>Visión y contexto:</a:t>
+            </a:r>
+          </a:p>
+          <a:p>
+            <a:pPr marL="171450" indent="-171450">
+              <a:buFontTx/>
+              <a:buChar char="-"/>
+            </a:pPr>
+            <a:r>
+              <a:rPr lang="es-MX" dirty="0" smtClean="0"/>
+              <a:t>Es la</a:t>
+            </a:r>
+            <a:r>
+              <a:rPr lang="es-MX" baseline="0" dirty="0" smtClean="0"/>
+              <a:t> fuente o antecedentes del proyecto.</a:t>
+            </a:r>
+          </a:p>
+          <a:p>
+            <a:pPr marL="171450" indent="-171450">
+              <a:buFontTx/>
+              <a:buChar char="-"/>
+            </a:pPr>
+            <a:r>
+              <a:rPr lang="es-MX" baseline="0" dirty="0" smtClean="0"/>
+              <a:t>Explicar brevemente el por qué surge Salud Xalapa</a:t>
+            </a:r>
+            <a:endParaRPr lang="es-MX" dirty="0"/>
+          </a:p>
+        </p:txBody>
+      </p:sp>
+      <p:sp>
+        <p:nvSpPr>
+          <p:cNvPr id="4" name="3 Marcador de número de diapositiva"/>
+          <p:cNvSpPr>
+            <a:spLocks noGrp="1"/>
+          </p:cNvSpPr>
+          <p:nvPr>
+            <p:ph type="sldNum" sz="quarter" idx="10"/>
+          </p:nvPr>
+        </p:nvSpPr>
+        <p:spPr/>
+        <p:txBody>
+          <a:bodyPr/>
+          <a:lstStyle/>
+          <a:p>
+            <a:fld id="{4EB139D4-7342-4180-9F4B-61BCE6F43409}" type="slidenum">
+              <a:rPr lang="es-MX" smtClean="0"/>
+              <a:t>2</a:t>
+            </a:fld>
+            <a:endParaRPr lang="es-MX"/>
+          </a:p>
+        </p:txBody>
+      </p:sp>
+    </p:spTree>
+    <p:extLst>
+      <p:ext uri="{BB962C8B-B14F-4D97-AF65-F5344CB8AC3E}">
+        <p14:creationId xmlns:p14="http://schemas.microsoft.com/office/powerpoint/2010/main" val="2096471074"/>
+      </p:ext>
+    </p:extLst>
+  </p:cSld>
+  <p:clrMapOvr>
+    <a:masterClrMapping/>
+  </p:clrMapOvr>
+</p:notes>
+</file>
+
+<file path=ppt/notesSlides/notesSlide3.xml><?xml version="1.0" encoding="utf-8"?>
+<p:notes xmlns:a="http://schemas.openxmlformats.org/drawingml/2006/main" xmlns:r="http://schemas.openxmlformats.org/officeDocument/2006/relationships" xmlns:p="http://schemas.openxmlformats.org/presentationml/2006/main">
+  <p:cSld>
+    <p:spTree>
+      <p:nvGrpSpPr>
+        <p:cNvPr id="1" name=""/>
+        <p:cNvGrpSpPr/>
+        <p:nvPr/>
+      </p:nvGrpSpPr>
+      <p:grpSpPr>
+        <a:xfrm>
+          <a:off x="0" y="0"/>
+          <a:ext cx="0" cy="0"/>
+          <a:chOff x="0" y="0"/>
+          <a:chExt cx="0" cy="0"/>
+        </a:xfrm>
+      </p:grpSpPr>
+      <p:sp>
+        <p:nvSpPr>
+          <p:cNvPr id="2" name="1 Marcador de imagen de diapositiva"/>
+          <p:cNvSpPr>
+            <a:spLocks noGrp="1" noRot="1" noChangeAspect="1"/>
+          </p:cNvSpPr>
+          <p:nvPr>
+            <p:ph type="sldImg"/>
+          </p:nvPr>
+        </p:nvSpPr>
+        <p:spPr/>
+      </p:sp>
+      <p:sp>
+        <p:nvSpPr>
+          <p:cNvPr id="3" name="2 Marcador de notas"/>
+          <p:cNvSpPr>
+            <a:spLocks noGrp="1"/>
+          </p:cNvSpPr>
+          <p:nvPr>
+            <p:ph type="body" idx="1"/>
+          </p:nvPr>
+        </p:nvSpPr>
+        <p:spPr/>
+        <p:txBody>
+          <a:bodyPr/>
+          <a:lstStyle/>
+          <a:p>
+            <a:r>
+              <a:rPr lang="es-MX" dirty="0" smtClean="0"/>
+              <a:t>Visión y contexto (2):</a:t>
+            </a:r>
+          </a:p>
+          <a:p>
+            <a:r>
+              <a:rPr lang="es-MX" dirty="0" smtClean="0"/>
+              <a:t>-</a:t>
+            </a:r>
+            <a:r>
+              <a:rPr lang="es-MX" baseline="0" dirty="0" smtClean="0"/>
+              <a:t> Explicar brevemente cómo vemos la evolución de Salud Xalapa en un futuro</a:t>
+            </a:r>
+            <a:endParaRPr lang="es-MX" dirty="0"/>
+          </a:p>
+        </p:txBody>
+      </p:sp>
+      <p:sp>
+        <p:nvSpPr>
+          <p:cNvPr id="4" name="3 Marcador de número de diapositiva"/>
+          <p:cNvSpPr>
+            <a:spLocks noGrp="1"/>
+          </p:cNvSpPr>
+          <p:nvPr>
+            <p:ph type="sldNum" sz="quarter" idx="10"/>
+          </p:nvPr>
+        </p:nvSpPr>
+        <p:spPr/>
+        <p:txBody>
+          <a:bodyPr/>
+          <a:lstStyle/>
+          <a:p>
+            <a:fld id="{4EB139D4-7342-4180-9F4B-61BCE6F43409}" type="slidenum">
+              <a:rPr lang="es-MX" smtClean="0"/>
+              <a:t>3</a:t>
+            </a:fld>
+            <a:endParaRPr lang="es-MX"/>
+          </a:p>
+        </p:txBody>
+      </p:sp>
+    </p:spTree>
+    <p:extLst>
+      <p:ext uri="{BB962C8B-B14F-4D97-AF65-F5344CB8AC3E}">
+        <p14:creationId xmlns:p14="http://schemas.microsoft.com/office/powerpoint/2010/main" val="3179043463"/>
+      </p:ext>
+    </p:extLst>
+  </p:cSld>
+  <p:clrMapOvr>
+    <a:masterClrMapping/>
+  </p:clrMapOvr>
+</p:notes>
+</file>
+
+<file path=ppt/notesSlides/notesSlide4.xml><?xml version="1.0" encoding="utf-8"?>
+<p:notes xmlns:a="http://schemas.openxmlformats.org/drawingml/2006/main" xmlns:r="http://schemas.openxmlformats.org/officeDocument/2006/relationships" xmlns:p="http://schemas.openxmlformats.org/presentationml/2006/main">
+  <p:cSld>
+    <p:spTree>
+      <p:nvGrpSpPr>
+        <p:cNvPr id="1" name=""/>
+        <p:cNvGrpSpPr/>
+        <p:nvPr/>
+      </p:nvGrpSpPr>
+      <p:grpSpPr>
+        <a:xfrm>
+          <a:off x="0" y="0"/>
+          <a:ext cx="0" cy="0"/>
+          <a:chOff x="0" y="0"/>
+          <a:chExt cx="0" cy="0"/>
+        </a:xfrm>
+      </p:grpSpPr>
+      <p:sp>
+        <p:nvSpPr>
+          <p:cNvPr id="2" name="1 Marcador de imagen de diapositiva"/>
+          <p:cNvSpPr>
+            <a:spLocks noGrp="1" noRot="1" noChangeAspect="1"/>
+          </p:cNvSpPr>
+          <p:nvPr>
+            <p:ph type="sldImg"/>
+          </p:nvPr>
+        </p:nvSpPr>
+        <p:spPr/>
+      </p:sp>
+      <p:sp>
+        <p:nvSpPr>
+          <p:cNvPr id="3" name="2 Marcador de notas"/>
+          <p:cNvSpPr>
+            <a:spLocks noGrp="1"/>
+          </p:cNvSpPr>
+          <p:nvPr>
+            <p:ph type="body" idx="1"/>
+          </p:nvPr>
+        </p:nvSpPr>
+        <p:spPr/>
+        <p:txBody>
+          <a:bodyPr/>
+          <a:lstStyle/>
+          <a:p>
+            <a:r>
+              <a:rPr lang="es-MX" dirty="0" smtClean="0"/>
+              <a:t>Objetivo:</a:t>
+            </a:r>
+          </a:p>
+          <a:p>
+            <a:r>
+              <a:rPr lang="es-MX" dirty="0" smtClean="0"/>
+              <a:t>-</a:t>
+            </a:r>
+            <a:r>
+              <a:rPr lang="es-MX" baseline="0" dirty="0" smtClean="0"/>
+              <a:t> Enunciar el objetivo de Salud Xalapa</a:t>
+            </a:r>
+            <a:endParaRPr lang="es-MX" dirty="0"/>
+          </a:p>
+        </p:txBody>
+      </p:sp>
+      <p:sp>
+        <p:nvSpPr>
+          <p:cNvPr id="4" name="3 Marcador de número de diapositiva"/>
+          <p:cNvSpPr>
+            <a:spLocks noGrp="1"/>
+          </p:cNvSpPr>
+          <p:nvPr>
+            <p:ph type="sldNum" sz="quarter" idx="10"/>
+          </p:nvPr>
+        </p:nvSpPr>
+        <p:spPr/>
+        <p:txBody>
+          <a:bodyPr/>
+          <a:lstStyle/>
+          <a:p>
+            <a:fld id="{4EB139D4-7342-4180-9F4B-61BCE6F43409}" type="slidenum">
+              <a:rPr lang="es-MX" smtClean="0"/>
+              <a:t>4</a:t>
+            </a:fld>
+            <a:endParaRPr lang="es-MX"/>
+          </a:p>
+        </p:txBody>
+      </p:sp>
+    </p:spTree>
+    <p:extLst>
+      <p:ext uri="{BB962C8B-B14F-4D97-AF65-F5344CB8AC3E}">
+        <p14:creationId xmlns:p14="http://schemas.microsoft.com/office/powerpoint/2010/main" val="1882186732"/>
+      </p:ext>
+    </p:extLst>
+  </p:cSld>
+  <p:clrMapOvr>
+    <a:masterClrMapping/>
+  </p:clrMapOvr>
+</p:notes>
+</file>
+
+<file path=ppt/notesSlides/notesSlide5.xml><?xml version="1.0" encoding="utf-8"?>
+<p:notes xmlns:a="http://schemas.openxmlformats.org/drawingml/2006/main" xmlns:r="http://schemas.openxmlformats.org/officeDocument/2006/relationships" xmlns:p="http://schemas.openxmlformats.org/presentationml/2006/main">
+  <p:cSld>
+    <p:spTree>
+      <p:nvGrpSpPr>
+        <p:cNvPr id="1" name=""/>
+        <p:cNvGrpSpPr/>
+        <p:nvPr/>
+      </p:nvGrpSpPr>
+      <p:grpSpPr>
+        <a:xfrm>
+          <a:off x="0" y="0"/>
+          <a:ext cx="0" cy="0"/>
+          <a:chOff x="0" y="0"/>
+          <a:chExt cx="0" cy="0"/>
+        </a:xfrm>
+      </p:grpSpPr>
+      <p:sp>
+        <p:nvSpPr>
+          <p:cNvPr id="2" name="1 Marcador de imagen de diapositiva"/>
+          <p:cNvSpPr>
+            <a:spLocks noGrp="1" noRot="1" noChangeAspect="1"/>
+          </p:cNvSpPr>
+          <p:nvPr>
+            <p:ph type="sldImg"/>
+          </p:nvPr>
+        </p:nvSpPr>
+        <p:spPr/>
+      </p:sp>
+      <p:sp>
+        <p:nvSpPr>
+          <p:cNvPr id="3" name="2 Marcador de notas"/>
+          <p:cNvSpPr>
+            <a:spLocks noGrp="1"/>
+          </p:cNvSpPr>
+          <p:nvPr>
+            <p:ph type="body" idx="1"/>
+          </p:nvPr>
+        </p:nvSpPr>
+        <p:spPr/>
+        <p:txBody>
+          <a:bodyPr/>
+          <a:lstStyle/>
+          <a:p>
+            <a:r>
+              <a:rPr lang="es-MX" dirty="0" smtClean="0"/>
+              <a:t>Propuesta:</a:t>
+            </a:r>
+          </a:p>
+          <a:p>
+            <a:pPr marL="171450" indent="-171450">
+              <a:buFontTx/>
+              <a:buChar char="-"/>
+            </a:pPr>
+            <a:r>
+              <a:rPr lang="es-MX" dirty="0" smtClean="0"/>
+              <a:t>Definir cómo se</a:t>
+            </a:r>
+            <a:r>
+              <a:rPr lang="es-MX" baseline="0" dirty="0" smtClean="0"/>
+              <a:t> va a trabajar para cumplir con la problemática encontrada:</a:t>
+            </a:r>
+          </a:p>
+          <a:p>
+            <a:pPr marL="628650" lvl="1" indent="-171450">
+              <a:buFontTx/>
+              <a:buChar char="-"/>
+            </a:pPr>
+            <a:r>
+              <a:rPr lang="es-MX" baseline="0" dirty="0" smtClean="0"/>
+              <a:t>Dificultad para encontrar donadores</a:t>
+            </a:r>
+          </a:p>
+          <a:p>
+            <a:pPr marL="628650" lvl="1" indent="-171450">
+              <a:buFontTx/>
+              <a:buChar char="-"/>
+            </a:pPr>
+            <a:r>
+              <a:rPr lang="es-MX" baseline="0" dirty="0" smtClean="0"/>
+              <a:t>Falta de información</a:t>
+            </a:r>
+            <a:endParaRPr lang="es-MX" dirty="0"/>
+          </a:p>
+        </p:txBody>
+      </p:sp>
+      <p:sp>
+        <p:nvSpPr>
+          <p:cNvPr id="4" name="3 Marcador de número de diapositiva"/>
+          <p:cNvSpPr>
+            <a:spLocks noGrp="1"/>
+          </p:cNvSpPr>
+          <p:nvPr>
+            <p:ph type="sldNum" sz="quarter" idx="10"/>
+          </p:nvPr>
+        </p:nvSpPr>
+        <p:spPr/>
+        <p:txBody>
+          <a:bodyPr/>
+          <a:lstStyle/>
+          <a:p>
+            <a:fld id="{4EB139D4-7342-4180-9F4B-61BCE6F43409}" type="slidenum">
+              <a:rPr lang="es-MX" smtClean="0"/>
+              <a:t>5</a:t>
+            </a:fld>
+            <a:endParaRPr lang="es-MX"/>
+          </a:p>
+        </p:txBody>
+      </p:sp>
+    </p:spTree>
+    <p:extLst>
+      <p:ext uri="{BB962C8B-B14F-4D97-AF65-F5344CB8AC3E}">
+        <p14:creationId xmlns:p14="http://schemas.microsoft.com/office/powerpoint/2010/main" val="1957059217"/>
+      </p:ext>
+    </p:extLst>
+  </p:cSld>
+  <p:clrMapOvr>
+    <a:masterClrMapping/>
+  </p:clrMapOvr>
+</p:notes>
+</file>
+
+<file path=ppt/notesSlides/notesSlide6.xml><?xml version="1.0" encoding="utf-8"?>
+<p:notes xmlns:a="http://schemas.openxmlformats.org/drawingml/2006/main" xmlns:r="http://schemas.openxmlformats.org/officeDocument/2006/relationships" xmlns:p="http://schemas.openxmlformats.org/presentationml/2006/main">
+  <p:cSld>
+    <p:spTree>
+      <p:nvGrpSpPr>
+        <p:cNvPr id="1" name=""/>
+        <p:cNvGrpSpPr/>
+        <p:nvPr/>
+      </p:nvGrpSpPr>
+      <p:grpSpPr>
+        <a:xfrm>
+          <a:off x="0" y="0"/>
+          <a:ext cx="0" cy="0"/>
+          <a:chOff x="0" y="0"/>
+          <a:chExt cx="0" cy="0"/>
+        </a:xfrm>
+      </p:grpSpPr>
+      <p:sp>
+        <p:nvSpPr>
+          <p:cNvPr id="2" name="1 Marcador de imagen de diapositiva"/>
+          <p:cNvSpPr>
+            <a:spLocks noGrp="1" noRot="1" noChangeAspect="1"/>
+          </p:cNvSpPr>
+          <p:nvPr>
+            <p:ph type="sldImg"/>
+          </p:nvPr>
+        </p:nvSpPr>
+        <p:spPr/>
+      </p:sp>
+      <p:sp>
+        <p:nvSpPr>
+          <p:cNvPr id="3" name="2 Marcador de notas"/>
+          <p:cNvSpPr>
+            <a:spLocks noGrp="1"/>
+          </p:cNvSpPr>
+          <p:nvPr>
+            <p:ph type="body" idx="1"/>
+          </p:nvPr>
+        </p:nvSpPr>
+        <p:spPr/>
+        <p:txBody>
+          <a:bodyPr/>
+          <a:lstStyle/>
+          <a:p>
+            <a:r>
+              <a:rPr lang="es-MX" dirty="0" smtClean="0"/>
+              <a:t>Funcionalidad</a:t>
+            </a:r>
+            <a:r>
+              <a:rPr lang="es-MX" baseline="0" dirty="0" smtClean="0"/>
+              <a:t> y experiencia:</a:t>
+            </a:r>
+            <a:endParaRPr lang="es-MX" dirty="0" smtClean="0"/>
+          </a:p>
+          <a:p>
+            <a:pPr marL="171450" indent="-171450">
+              <a:buFontTx/>
+              <a:buChar char="-"/>
+            </a:pPr>
+            <a:r>
+              <a:rPr lang="es-MX" dirty="0" smtClean="0"/>
+              <a:t>Definir</a:t>
+            </a:r>
+            <a:r>
+              <a:rPr lang="es-MX" baseline="0" dirty="0" smtClean="0"/>
+              <a:t> q</a:t>
+            </a:r>
+            <a:r>
+              <a:rPr lang="es-MX" dirty="0" smtClean="0"/>
+              <a:t>ué se desarrolla y</a:t>
+            </a:r>
+            <a:r>
+              <a:rPr lang="es-MX" baseline="0" dirty="0" smtClean="0"/>
+              <a:t> cómo podrá ser utilizada</a:t>
+            </a:r>
+          </a:p>
+          <a:p>
+            <a:pPr marL="171450" indent="-171450">
+              <a:buFontTx/>
+              <a:buChar char="-"/>
+            </a:pPr>
+            <a:r>
+              <a:rPr lang="es-MX" baseline="0" dirty="0" smtClean="0"/>
+              <a:t>Definir las características de la interfaz gráfica y de la aplicación y cómo estas van a facilitar la experiencia de usuario</a:t>
+            </a:r>
+            <a:endParaRPr lang="es-MX" dirty="0"/>
+          </a:p>
+        </p:txBody>
+      </p:sp>
+      <p:sp>
+        <p:nvSpPr>
+          <p:cNvPr id="4" name="3 Marcador de número de diapositiva"/>
+          <p:cNvSpPr>
+            <a:spLocks noGrp="1"/>
+          </p:cNvSpPr>
+          <p:nvPr>
+            <p:ph type="sldNum" sz="quarter" idx="10"/>
+          </p:nvPr>
+        </p:nvSpPr>
+        <p:spPr/>
+        <p:txBody>
+          <a:bodyPr/>
+          <a:lstStyle/>
+          <a:p>
+            <a:fld id="{4EB139D4-7342-4180-9F4B-61BCE6F43409}" type="slidenum">
+              <a:rPr lang="es-MX" smtClean="0"/>
+              <a:t>6</a:t>
+            </a:fld>
+            <a:endParaRPr lang="es-MX"/>
+          </a:p>
+        </p:txBody>
+      </p:sp>
+    </p:spTree>
+    <p:extLst>
+      <p:ext uri="{BB962C8B-B14F-4D97-AF65-F5344CB8AC3E}">
+        <p14:creationId xmlns:p14="http://schemas.microsoft.com/office/powerpoint/2010/main" val="2678572558"/>
+      </p:ext>
+    </p:extLst>
+  </p:cSld>
+  <p:clrMapOvr>
+    <a:masterClrMapping/>
+  </p:clrMapOvr>
+</p:notes>
+</file>
+
+<file path=ppt/notesSlides/notesSlide7.xml><?xml version="1.0" encoding="utf-8"?>
+<p:notes xmlns:a="http://schemas.openxmlformats.org/drawingml/2006/main" xmlns:r="http://schemas.openxmlformats.org/officeDocument/2006/relationships" xmlns:p="http://schemas.openxmlformats.org/presentationml/2006/main">
+  <p:cSld>
+    <p:spTree>
+      <p:nvGrpSpPr>
+        <p:cNvPr id="1" name=""/>
+        <p:cNvGrpSpPr/>
+        <p:nvPr/>
+      </p:nvGrpSpPr>
+      <p:grpSpPr>
+        <a:xfrm>
+          <a:off x="0" y="0"/>
+          <a:ext cx="0" cy="0"/>
+          <a:chOff x="0" y="0"/>
+          <a:chExt cx="0" cy="0"/>
+        </a:xfrm>
+      </p:grpSpPr>
+      <p:sp>
+        <p:nvSpPr>
+          <p:cNvPr id="2" name="1 Marcador de imagen de diapositiva"/>
+          <p:cNvSpPr>
+            <a:spLocks noGrp="1" noRot="1" noChangeAspect="1"/>
+          </p:cNvSpPr>
+          <p:nvPr>
+            <p:ph type="sldImg"/>
+          </p:nvPr>
+        </p:nvSpPr>
+        <p:spPr/>
+      </p:sp>
+      <p:sp>
+        <p:nvSpPr>
+          <p:cNvPr id="3" name="2 Marcador de notas"/>
+          <p:cNvSpPr>
+            <a:spLocks noGrp="1"/>
+          </p:cNvSpPr>
+          <p:nvPr>
+            <p:ph type="body" idx="1"/>
+          </p:nvPr>
+        </p:nvSpPr>
+        <p:spPr/>
+        <p:txBody>
+          <a:bodyPr/>
+          <a:lstStyle/>
+          <a:p>
+            <a:r>
+              <a:rPr lang="es-MX" dirty="0" err="1" smtClean="0"/>
+              <a:t>Mockups</a:t>
+            </a:r>
+            <a:r>
+              <a:rPr lang="es-MX" baseline="0" dirty="0" smtClean="0"/>
+              <a:t>:</a:t>
+            </a:r>
+            <a:endParaRPr lang="es-MX" dirty="0" smtClean="0"/>
+          </a:p>
+          <a:p>
+            <a:pPr marL="171450" indent="-171450">
+              <a:buFontTx/>
+              <a:buChar char="-"/>
+            </a:pPr>
+            <a:r>
+              <a:rPr lang="es-MX" dirty="0" smtClean="0"/>
+              <a:t>Representar</a:t>
+            </a:r>
+            <a:r>
+              <a:rPr lang="es-MX" baseline="0" dirty="0" smtClean="0"/>
+              <a:t> y describir aquellas pantallas de Salud Xalapa más importantes, principalmente las enfocadas al resolver el problema:</a:t>
+            </a:r>
+          </a:p>
+          <a:p>
+            <a:pPr marL="628650" lvl="1" indent="-171450">
+              <a:buFontTx/>
+              <a:buChar char="-"/>
+            </a:pPr>
+            <a:r>
+              <a:rPr lang="es-MX" baseline="0" dirty="0" smtClean="0"/>
+              <a:t>Dificultad de encontrar donadores</a:t>
+            </a:r>
+          </a:p>
+          <a:p>
+            <a:pPr marL="628650" lvl="1" indent="-171450">
+              <a:buFontTx/>
+              <a:buChar char="-"/>
+            </a:pPr>
+            <a:r>
+              <a:rPr lang="es-MX" baseline="0" dirty="0" smtClean="0"/>
+              <a:t>Falta de información</a:t>
+            </a:r>
+            <a:endParaRPr lang="es-MX" dirty="0"/>
+          </a:p>
+        </p:txBody>
+      </p:sp>
+      <p:sp>
+        <p:nvSpPr>
+          <p:cNvPr id="4" name="3 Marcador de número de diapositiva"/>
+          <p:cNvSpPr>
+            <a:spLocks noGrp="1"/>
+          </p:cNvSpPr>
+          <p:nvPr>
+            <p:ph type="sldNum" sz="quarter" idx="10"/>
+          </p:nvPr>
+        </p:nvSpPr>
+        <p:spPr/>
+        <p:txBody>
+          <a:bodyPr/>
+          <a:lstStyle/>
+          <a:p>
+            <a:fld id="{4EB139D4-7342-4180-9F4B-61BCE6F43409}" type="slidenum">
+              <a:rPr lang="es-MX" smtClean="0"/>
+              <a:t>7</a:t>
+            </a:fld>
+            <a:endParaRPr lang="es-MX"/>
+          </a:p>
+        </p:txBody>
+      </p:sp>
+    </p:spTree>
+    <p:extLst>
+      <p:ext uri="{BB962C8B-B14F-4D97-AF65-F5344CB8AC3E}">
+        <p14:creationId xmlns:p14="http://schemas.microsoft.com/office/powerpoint/2010/main" val="2678572558"/>
+      </p:ext>
+    </p:extLst>
+  </p:cSld>
+  <p:clrMapOvr>
+    <a:masterClrMapping/>
+  </p:clrMapOvr>
+</p:notes>
+</file>
+
+<file path=ppt/notesSlides/notesSlide8.xml><?xml version="1.0" encoding="utf-8"?>
+<p:notes xmlns:a="http://schemas.openxmlformats.org/drawingml/2006/main" xmlns:r="http://schemas.openxmlformats.org/officeDocument/2006/relationships" xmlns:p="http://schemas.openxmlformats.org/presentationml/2006/main">
+  <p:cSld>
+    <p:spTree>
+      <p:nvGrpSpPr>
+        <p:cNvPr id="1" name=""/>
+        <p:cNvGrpSpPr/>
+        <p:nvPr/>
+      </p:nvGrpSpPr>
+      <p:grpSpPr>
+        <a:xfrm>
+          <a:off x="0" y="0"/>
+          <a:ext cx="0" cy="0"/>
+          <a:chOff x="0" y="0"/>
+          <a:chExt cx="0" cy="0"/>
+        </a:xfrm>
+      </p:grpSpPr>
+      <p:sp>
+        <p:nvSpPr>
+          <p:cNvPr id="2" name="1 Marcador de imagen de diapositiva"/>
+          <p:cNvSpPr>
+            <a:spLocks noGrp="1" noRot="1" noChangeAspect="1"/>
+          </p:cNvSpPr>
+          <p:nvPr>
+            <p:ph type="sldImg"/>
+          </p:nvPr>
+        </p:nvSpPr>
+        <p:spPr/>
+      </p:sp>
+      <p:sp>
+        <p:nvSpPr>
+          <p:cNvPr id="3" name="2 Marcador de notas"/>
+          <p:cNvSpPr>
+            <a:spLocks noGrp="1"/>
+          </p:cNvSpPr>
+          <p:nvPr>
+            <p:ph type="body" idx="1"/>
+          </p:nvPr>
+        </p:nvSpPr>
+        <p:spPr/>
+        <p:txBody>
+          <a:bodyPr/>
+          <a:lstStyle/>
+          <a:p>
+            <a:r>
+              <a:rPr lang="es-MX" dirty="0" smtClean="0"/>
+              <a:t>Arquitectura</a:t>
+            </a:r>
+            <a:r>
+              <a:rPr lang="es-MX" baseline="0" dirty="0" smtClean="0"/>
+              <a:t>:</a:t>
+            </a:r>
+            <a:endParaRPr lang="es-MX" dirty="0" smtClean="0"/>
+          </a:p>
+          <a:p>
+            <a:pPr marL="171450" indent="-171450">
+              <a:buFontTx/>
+              <a:buChar char="-"/>
+            </a:pPr>
+            <a:r>
+              <a:rPr lang="es-MX" dirty="0" smtClean="0"/>
+              <a:t>Representar</a:t>
+            </a:r>
+            <a:r>
+              <a:rPr lang="es-MX" baseline="0" dirty="0" smtClean="0"/>
+              <a:t> y describir la arquitectura de la aplicación</a:t>
+            </a:r>
+            <a:endParaRPr lang="es-MX" dirty="0"/>
+          </a:p>
+        </p:txBody>
+      </p:sp>
+      <p:sp>
+        <p:nvSpPr>
+          <p:cNvPr id="4" name="3 Marcador de número de diapositiva"/>
+          <p:cNvSpPr>
+            <a:spLocks noGrp="1"/>
+          </p:cNvSpPr>
+          <p:nvPr>
+            <p:ph type="sldNum" sz="quarter" idx="10"/>
+          </p:nvPr>
+        </p:nvSpPr>
+        <p:spPr/>
+        <p:txBody>
+          <a:bodyPr/>
+          <a:lstStyle/>
+          <a:p>
+            <a:fld id="{4EB139D4-7342-4180-9F4B-61BCE6F43409}" type="slidenum">
+              <a:rPr lang="es-MX" smtClean="0"/>
+              <a:t>8</a:t>
+            </a:fld>
+            <a:endParaRPr lang="es-MX"/>
+          </a:p>
+        </p:txBody>
+      </p:sp>
+    </p:spTree>
+    <p:extLst>
+      <p:ext uri="{BB962C8B-B14F-4D97-AF65-F5344CB8AC3E}">
+        <p14:creationId xmlns:p14="http://schemas.microsoft.com/office/powerpoint/2010/main" val="2678572558"/>
+      </p:ext>
+    </p:extLst>
+  </p:cSld>
+  <p:clrMapOvr>
+    <a:masterClrMapping/>
+  </p:clrMapOvr>
+</p:notes>
+</file>
+
+<file path=ppt/notesSlides/notesSlide9.xml><?xml version="1.0" encoding="utf-8"?>
+<p:notes xmlns:a="http://schemas.openxmlformats.org/drawingml/2006/main" xmlns:r="http://schemas.openxmlformats.org/officeDocument/2006/relationships" xmlns:p="http://schemas.openxmlformats.org/presentationml/2006/main">
+  <p:cSld>
+    <p:spTree>
+      <p:nvGrpSpPr>
+        <p:cNvPr id="1" name=""/>
+        <p:cNvGrpSpPr/>
+        <p:nvPr/>
+      </p:nvGrpSpPr>
+      <p:grpSpPr>
+        <a:xfrm>
+          <a:off x="0" y="0"/>
+          <a:ext cx="0" cy="0"/>
+          <a:chOff x="0" y="0"/>
+          <a:chExt cx="0" cy="0"/>
+        </a:xfrm>
+      </p:grpSpPr>
+      <p:sp>
+        <p:nvSpPr>
+          <p:cNvPr id="2" name="1 Marcador de imagen de diapositiva"/>
+          <p:cNvSpPr>
+            <a:spLocks noGrp="1" noRot="1" noChangeAspect="1"/>
+          </p:cNvSpPr>
+          <p:nvPr>
+            <p:ph type="sldImg"/>
+          </p:nvPr>
+        </p:nvSpPr>
+        <p:spPr/>
+      </p:sp>
+      <p:sp>
+        <p:nvSpPr>
+          <p:cNvPr id="3" name="2 Marcador de notas"/>
+          <p:cNvSpPr>
+            <a:spLocks noGrp="1"/>
+          </p:cNvSpPr>
+          <p:nvPr>
+            <p:ph type="body" idx="1"/>
+          </p:nvPr>
+        </p:nvSpPr>
+        <p:spPr/>
+        <p:txBody>
+          <a:bodyPr/>
+          <a:lstStyle/>
+          <a:p>
+            <a:r>
+              <a:rPr lang="es-MX" dirty="0" smtClean="0"/>
+              <a:t>Tecnología</a:t>
+            </a:r>
+            <a:r>
+              <a:rPr lang="es-MX" baseline="0" dirty="0" smtClean="0"/>
+              <a:t>:</a:t>
+            </a:r>
+            <a:endParaRPr lang="es-MX" dirty="0" smtClean="0"/>
+          </a:p>
+          <a:p>
+            <a:pPr marL="171450" indent="-171450">
+              <a:buFontTx/>
+              <a:buChar char="-"/>
+            </a:pPr>
+            <a:r>
+              <a:rPr lang="es-MX" baseline="0" dirty="0" smtClean="0"/>
+              <a:t>Describir la tecnología a utilizar en el proyecto</a:t>
+            </a:r>
+            <a:endParaRPr lang="es-MX" dirty="0"/>
+          </a:p>
+        </p:txBody>
+      </p:sp>
+      <p:sp>
+        <p:nvSpPr>
+          <p:cNvPr id="4" name="3 Marcador de número de diapositiva"/>
+          <p:cNvSpPr>
+            <a:spLocks noGrp="1"/>
+          </p:cNvSpPr>
+          <p:nvPr>
+            <p:ph type="sldNum" sz="quarter" idx="10"/>
+          </p:nvPr>
+        </p:nvSpPr>
+        <p:spPr/>
+        <p:txBody>
+          <a:bodyPr/>
+          <a:lstStyle/>
+          <a:p>
+            <a:fld id="{4EB139D4-7342-4180-9F4B-61BCE6F43409}" type="slidenum">
+              <a:rPr lang="es-MX" smtClean="0"/>
+              <a:t>9</a:t>
+            </a:fld>
+            <a:endParaRPr lang="es-MX"/>
+          </a:p>
+        </p:txBody>
+      </p:sp>
+    </p:spTree>
+    <p:extLst>
+      <p:ext uri="{BB962C8B-B14F-4D97-AF65-F5344CB8AC3E}">
+        <p14:creationId xmlns:p14="http://schemas.microsoft.com/office/powerpoint/2010/main" val="2678572558"/>
       </p:ext>
     </p:extLst>
   </p:cSld>
@@ -4244,7 +5331,7 @@
 </p:sld>
 </file>
 
-<file path=ppt/slides/slide2.xml><?xml version="1.0" encoding="utf-8"?>
+<file path=ppt/slides/slide10.xml><?xml version="1.0" encoding="utf-8"?>
 <p:sld xmlns:a="http://schemas.openxmlformats.org/drawingml/2006/main" xmlns:r="http://schemas.openxmlformats.org/officeDocument/2006/relationships" xmlns:p="http://schemas.openxmlformats.org/presentationml/2006/main">
   <p:cSld>
     <p:spTree>
@@ -4271,7 +5358,12 @@
             <p:ph type="title"/>
           </p:nvPr>
         </p:nvSpPr>
-        <p:spPr/>
+        <p:spPr>
+          <a:xfrm>
+            <a:off x="457200" y="188640"/>
+            <a:ext cx="8229600" cy="1143000"/>
+          </a:xfrm>
+        </p:spPr>
         <p:txBody>
           <a:bodyPr/>
           <a:lstStyle/>
@@ -4280,39 +5372,10 @@
               <a:rPr lang="es-MX" dirty="0" smtClean="0">
                 <a:latin typeface="Gill Sans MT" panose="020B0502020104020203" pitchFamily="34" charset="0"/>
               </a:rPr>
-              <a:t>Índice</a:t>
+              <a:t>Cronograma</a:t>
             </a:r>
             <a:endParaRPr lang="es-MX" dirty="0">
               <a:latin typeface="Gill Sans MT" panose="020B0502020104020203" pitchFamily="34" charset="0"/>
-            </a:endParaRPr>
-          </a:p>
-        </p:txBody>
-      </p:sp>
-      <p:sp>
-        <p:nvSpPr>
-          <p:cNvPr id="3" name="2 Marcador de contenido"/>
-          <p:cNvSpPr>
-            <a:spLocks noGrp="1"/>
-          </p:cNvSpPr>
-          <p:nvPr>
-            <p:ph idx="1"/>
-          </p:nvPr>
-        </p:nvSpPr>
-        <p:spPr/>
-        <p:txBody>
-          <a:bodyPr/>
-          <a:lstStyle/>
-          <a:p>
-            <a:r>
-              <a:rPr lang="es-MX" dirty="0" smtClean="0">
-                <a:latin typeface="Times New Roman" panose="02020603050405020304" pitchFamily="18" charset="0"/>
-                <a:cs typeface="Times New Roman" panose="02020603050405020304" pitchFamily="18" charset="0"/>
-              </a:rPr>
-              <a:t>Texto del tema en cuestión</a:t>
-            </a:r>
-            <a:endParaRPr lang="es-MX" dirty="0">
-              <a:latin typeface="Times New Roman" panose="02020603050405020304" pitchFamily="18" charset="0"/>
-              <a:cs typeface="Times New Roman" panose="02020603050405020304" pitchFamily="18" charset="0"/>
             </a:endParaRPr>
           </a:p>
         </p:txBody>
@@ -4426,7 +5489,7 @@
           <a:p>
             <a:fld id="{3C9ABA9E-4878-471D-9273-2841A9D0AB0C}" type="slidenum">
               <a:rPr lang="es-MX" smtClean="0"/>
-              <a:t>2</a:t>
+              <a:t>10</a:t>
             </a:fld>
             <a:endParaRPr lang="es-MX"/>
           </a:p>
@@ -4441,7 +5504,881 @@
           <p:nvPr/>
         </p:nvPicPr>
         <p:blipFill>
-          <a:blip r:embed="rId2" cstate="print">
+          <a:blip r:embed="rId3" cstate="print">
+            <a:extLst>
+              <a:ext uri="{28A0092B-C50C-407E-A947-70E740481C1C}">
+                <a14:useLocalDpi xmlns:a14="http://schemas.microsoft.com/office/drawing/2010/main" val="0"/>
+              </a:ext>
+            </a:extLst>
+          </a:blip>
+          <a:stretch>
+            <a:fillRect/>
+          </a:stretch>
+        </p:blipFill>
+        <p:spPr>
+          <a:xfrm>
+            <a:off x="307594" y="6309320"/>
+            <a:ext cx="256165" cy="362070"/>
+          </a:xfrm>
+          <a:prstGeom prst="rect">
+            <a:avLst/>
+          </a:prstGeom>
+        </p:spPr>
+      </p:pic>
+      <p:sp>
+        <p:nvSpPr>
+          <p:cNvPr id="6" name="5 Marcador de contenido"/>
+          <p:cNvSpPr>
+            <a:spLocks noGrp="1"/>
+          </p:cNvSpPr>
+          <p:nvPr>
+            <p:ph idx="1"/>
+          </p:nvPr>
+        </p:nvSpPr>
+        <p:spPr/>
+        <p:txBody>
+          <a:bodyPr/>
+          <a:lstStyle/>
+          <a:p>
+            <a:endParaRPr lang="es-MX" dirty="0"/>
+          </a:p>
+        </p:txBody>
+      </p:sp>
+    </p:spTree>
+    <p:extLst>
+      <p:ext uri="{BB962C8B-B14F-4D97-AF65-F5344CB8AC3E}">
+        <p14:creationId xmlns:p14="http://schemas.microsoft.com/office/powerpoint/2010/main" val="1250543772"/>
+      </p:ext>
+    </p:extLst>
+  </p:cSld>
+  <p:clrMapOvr>
+    <a:masterClrMapping/>
+  </p:clrMapOvr>
+  <mc:AlternateContent xmlns:mc="http://schemas.openxmlformats.org/markup-compatibility/2006" xmlns:p14="http://schemas.microsoft.com/office/powerpoint/2010/main">
+    <mc:Choice Requires="p14">
+      <p:transition spd="med" p14:dur="700">
+        <p:fade/>
+      </p:transition>
+    </mc:Choice>
+    <mc:Fallback xmlns="">
+      <p:transition spd="med">
+        <p:fade/>
+      </p:transition>
+    </mc:Fallback>
+  </mc:AlternateContent>
+  <p:timing>
+    <p:tnLst>
+      <p:par>
+        <p:cTn id="1" dur="indefinite" restart="never" nodeType="tmRoot"/>
+      </p:par>
+    </p:tnLst>
+  </p:timing>
+</p:sld>
+</file>
+
+<file path=ppt/slides/slide11.xml><?xml version="1.0" encoding="utf-8"?>
+<p:sld xmlns:a="http://schemas.openxmlformats.org/drawingml/2006/main" xmlns:r="http://schemas.openxmlformats.org/officeDocument/2006/relationships" xmlns:p="http://schemas.openxmlformats.org/presentationml/2006/main">
+  <p:cSld>
+    <p:spTree>
+      <p:nvGrpSpPr>
+        <p:cNvPr id="1" name=""/>
+        <p:cNvGrpSpPr/>
+        <p:nvPr/>
+      </p:nvGrpSpPr>
+      <p:grpSpPr>
+        <a:xfrm>
+          <a:off x="0" y="0"/>
+          <a:ext cx="0" cy="0"/>
+          <a:chOff x="0" y="0"/>
+          <a:chExt cx="0" cy="0"/>
+        </a:xfrm>
+      </p:grpSpPr>
+      <p:sp>
+        <p:nvSpPr>
+          <p:cNvPr id="2" name="1 Título"/>
+          <p:cNvSpPr>
+            <a:spLocks noGrp="1"/>
+          </p:cNvSpPr>
+          <p:nvPr>
+            <p:ph type="ctrTitle"/>
+          </p:nvPr>
+        </p:nvSpPr>
+        <p:spPr>
+          <a:xfrm>
+            <a:off x="685800" y="2391023"/>
+            <a:ext cx="7772400" cy="1470025"/>
+          </a:xfrm>
+        </p:spPr>
+        <p:txBody>
+          <a:bodyPr>
+            <a:normAutofit/>
+          </a:bodyPr>
+          <a:lstStyle/>
+          <a:p>
+            <a:r>
+              <a:rPr lang="es-MX" sz="3200" dirty="0" err="1" smtClean="0">
+                <a:latin typeface="Gill Sans MT" panose="020B0502020104020203" pitchFamily="34" charset="0"/>
+              </a:rPr>
+              <a:t>Hackatón</a:t>
+            </a:r>
+            <a:r>
+              <a:rPr lang="es-MX" sz="3200" dirty="0" smtClean="0">
+                <a:latin typeface="Gill Sans MT" panose="020B0502020104020203" pitchFamily="34" charset="0"/>
+              </a:rPr>
+              <a:t> Xalapa 2014</a:t>
+            </a:r>
+            <a:br>
+              <a:rPr lang="es-MX" sz="3200" dirty="0" smtClean="0">
+                <a:latin typeface="Gill Sans MT" panose="020B0502020104020203" pitchFamily="34" charset="0"/>
+              </a:rPr>
+            </a:br>
+            <a:r>
+              <a:rPr lang="es-MX" sz="3200" dirty="0" smtClean="0">
+                <a:latin typeface="Gill Sans MT" panose="020B0502020104020203" pitchFamily="34" charset="0"/>
+              </a:rPr>
+              <a:t> </a:t>
+            </a:r>
+            <a:r>
+              <a:rPr lang="es-MX" sz="2800" dirty="0" smtClean="0">
+                <a:latin typeface="Gill Sans MT" panose="020B0502020104020203" pitchFamily="34" charset="0"/>
+              </a:rPr>
+              <a:t>Soluciones para nuestra capital</a:t>
+            </a:r>
+            <a:endParaRPr lang="es-MX" sz="3200" dirty="0">
+              <a:latin typeface="Gill Sans MT" panose="020B0502020104020203" pitchFamily="34" charset="0"/>
+            </a:endParaRPr>
+          </a:p>
+        </p:txBody>
+      </p:sp>
+      <p:sp>
+        <p:nvSpPr>
+          <p:cNvPr id="3" name="2 Subtítulo"/>
+          <p:cNvSpPr>
+            <a:spLocks noGrp="1"/>
+          </p:cNvSpPr>
+          <p:nvPr>
+            <p:ph type="subTitle" idx="1"/>
+          </p:nvPr>
+        </p:nvSpPr>
+        <p:spPr>
+          <a:xfrm>
+            <a:off x="1371600" y="4293096"/>
+            <a:ext cx="6400800" cy="1126976"/>
+          </a:xfrm>
+        </p:spPr>
+        <p:txBody>
+          <a:bodyPr>
+            <a:normAutofit lnSpcReduction="10000"/>
+          </a:bodyPr>
+          <a:lstStyle/>
+          <a:p>
+            <a:r>
+              <a:rPr lang="es-MX" sz="2400" dirty="0" smtClean="0">
+                <a:latin typeface="Gill Sans MT" panose="020B0502020104020203" pitchFamily="34" charset="0"/>
+              </a:rPr>
+              <a:t>Presenta</a:t>
+            </a:r>
+            <a:r>
+              <a:rPr lang="es-MX" dirty="0" smtClean="0">
+                <a:latin typeface="Gill Sans MT" panose="020B0502020104020203" pitchFamily="34" charset="0"/>
+              </a:rPr>
+              <a:t> </a:t>
+            </a:r>
+          </a:p>
+          <a:p>
+            <a:r>
+              <a:rPr lang="es-MX" dirty="0" smtClean="0">
+                <a:latin typeface="Gill Sans MT" panose="020B0502020104020203" pitchFamily="34" charset="0"/>
+              </a:rPr>
+              <a:t>Five5</a:t>
+            </a:r>
+            <a:endParaRPr lang="es-MX" dirty="0" smtClean="0">
+              <a:latin typeface="Gill Sans MT" panose="020B0502020104020203" pitchFamily="34" charset="0"/>
+            </a:endParaRPr>
+          </a:p>
+        </p:txBody>
+      </p:sp>
+      <p:sp>
+        <p:nvSpPr>
+          <p:cNvPr id="4" name="3 Rectángulo"/>
+          <p:cNvSpPr/>
+          <p:nvPr/>
+        </p:nvSpPr>
+        <p:spPr>
+          <a:xfrm>
+            <a:off x="10313" y="5661248"/>
+            <a:ext cx="9144000" cy="72008"/>
+          </a:xfrm>
+          <a:prstGeom prst="rect">
+            <a:avLst/>
+          </a:prstGeom>
+          <a:solidFill>
+            <a:srgbClr val="DD23C7"/>
+          </a:solidFill>
+          <a:ln>
+            <a:noFill/>
+          </a:ln>
+        </p:spPr>
+        <p:style>
+          <a:lnRef idx="2">
+            <a:schemeClr val="accent1">
+              <a:shade val="50000"/>
+            </a:schemeClr>
+          </a:lnRef>
+          <a:fillRef idx="1">
+            <a:schemeClr val="accent1"/>
+          </a:fillRef>
+          <a:effectRef idx="0">
+            <a:schemeClr val="accent1"/>
+          </a:effectRef>
+          <a:fontRef idx="minor">
+            <a:schemeClr val="lt1"/>
+          </a:fontRef>
+        </p:style>
+        <p:txBody>
+          <a:bodyPr rtlCol="0" anchor="ctr"/>
+          <a:lstStyle/>
+          <a:p>
+            <a:pPr algn="ctr"/>
+            <a:endParaRPr lang="es-MX"/>
+          </a:p>
+        </p:txBody>
+      </p:sp>
+      <p:sp>
+        <p:nvSpPr>
+          <p:cNvPr id="5" name="4 Rectángulo"/>
+          <p:cNvSpPr/>
+          <p:nvPr/>
+        </p:nvSpPr>
+        <p:spPr>
+          <a:xfrm>
+            <a:off x="10313" y="5805264"/>
+            <a:ext cx="9144000" cy="792088"/>
+          </a:xfrm>
+          <a:prstGeom prst="rect">
+            <a:avLst/>
+          </a:prstGeom>
+          <a:solidFill>
+            <a:srgbClr val="004F9C"/>
+          </a:solidFill>
+          <a:ln>
+            <a:noFill/>
+          </a:ln>
+        </p:spPr>
+        <p:style>
+          <a:lnRef idx="2">
+            <a:schemeClr val="accent1">
+              <a:shade val="50000"/>
+            </a:schemeClr>
+          </a:lnRef>
+          <a:fillRef idx="1">
+            <a:schemeClr val="accent1"/>
+          </a:fillRef>
+          <a:effectRef idx="0">
+            <a:schemeClr val="accent1"/>
+          </a:effectRef>
+          <a:fontRef idx="minor">
+            <a:schemeClr val="lt1"/>
+          </a:fontRef>
+        </p:style>
+        <p:txBody>
+          <a:bodyPr rtlCol="0" anchor="ctr"/>
+          <a:lstStyle/>
+          <a:p>
+            <a:pPr algn="ctr"/>
+            <a:endParaRPr lang="es-MX"/>
+          </a:p>
+        </p:txBody>
+      </p:sp>
+      <p:sp>
+        <p:nvSpPr>
+          <p:cNvPr id="8" name="1 Título"/>
+          <p:cNvSpPr txBox="1">
+            <a:spLocks/>
+          </p:cNvSpPr>
+          <p:nvPr/>
+        </p:nvSpPr>
+        <p:spPr>
+          <a:xfrm>
+            <a:off x="683568" y="5445224"/>
+            <a:ext cx="7772400" cy="1470025"/>
+          </a:xfrm>
+          <a:prstGeom prst="rect">
+            <a:avLst/>
+          </a:prstGeom>
+        </p:spPr>
+        <p:txBody>
+          <a:bodyPr vert="horz" lIns="91440" tIns="45720" rIns="91440" bIns="45720" rtlCol="0" anchor="ctr">
+            <a:normAutofit/>
+          </a:bodyPr>
+          <a:lstStyle>
+            <a:lvl1pPr algn="ctr" defTabSz="914400" rtl="0" eaLnBrk="1" latinLnBrk="0" hangingPunct="1">
+              <a:spcBef>
+                <a:spcPct val="0"/>
+              </a:spcBef>
+              <a:buNone/>
+              <a:defRPr sz="4400" kern="1200">
+                <a:solidFill>
+                  <a:schemeClr val="tx1"/>
+                </a:solidFill>
+                <a:latin typeface="+mj-lt"/>
+                <a:ea typeface="+mj-ea"/>
+                <a:cs typeface="+mj-cs"/>
+              </a:defRPr>
+            </a:lvl1pPr>
+          </a:lstStyle>
+          <a:p>
+            <a:r>
+              <a:rPr lang="es-MX" sz="3600" dirty="0" smtClean="0">
+                <a:solidFill>
+                  <a:schemeClr val="bg1"/>
+                </a:solidFill>
+                <a:latin typeface="Gill Sans MT" panose="020B0502020104020203" pitchFamily="34" charset="0"/>
+              </a:rPr>
+              <a:t>Salud Xalapa</a:t>
+            </a:r>
+            <a:endParaRPr lang="es-MX" sz="3600" dirty="0">
+              <a:solidFill>
+                <a:schemeClr val="bg1"/>
+              </a:solidFill>
+              <a:latin typeface="Gill Sans MT" panose="020B0502020104020203" pitchFamily="34" charset="0"/>
+            </a:endParaRPr>
+          </a:p>
+        </p:txBody>
+      </p:sp>
+      <p:sp>
+        <p:nvSpPr>
+          <p:cNvPr id="9" name="8 CuadroTexto"/>
+          <p:cNvSpPr txBox="1"/>
+          <p:nvPr/>
+        </p:nvSpPr>
+        <p:spPr>
+          <a:xfrm>
+            <a:off x="7614948" y="6597352"/>
+            <a:ext cx="1588897" cy="276999"/>
+          </a:xfrm>
+          <a:prstGeom prst="rect">
+            <a:avLst/>
+          </a:prstGeom>
+          <a:noFill/>
+        </p:spPr>
+        <p:txBody>
+          <a:bodyPr wrap="none" rtlCol="0">
+            <a:spAutoFit/>
+          </a:bodyPr>
+          <a:lstStyle/>
+          <a:p>
+            <a:r>
+              <a:rPr lang="es-MX" sz="1200" dirty="0" smtClean="0">
+                <a:solidFill>
+                  <a:schemeClr val="bg1">
+                    <a:lumMod val="50000"/>
+                  </a:schemeClr>
+                </a:solidFill>
+                <a:latin typeface="Times New Roman" panose="02020603050405020304" pitchFamily="18" charset="0"/>
+                <a:cs typeface="Times New Roman" panose="02020603050405020304" pitchFamily="18" charset="0"/>
+              </a:rPr>
+              <a:t>12 de Octubre de 2014</a:t>
+            </a:r>
+            <a:endParaRPr lang="es-MX" sz="1200" dirty="0">
+              <a:solidFill>
+                <a:schemeClr val="bg1">
+                  <a:lumMod val="50000"/>
+                </a:schemeClr>
+              </a:solidFill>
+              <a:latin typeface="Times New Roman" panose="02020603050405020304" pitchFamily="18" charset="0"/>
+              <a:cs typeface="Times New Roman" panose="02020603050405020304" pitchFamily="18" charset="0"/>
+            </a:endParaRPr>
+          </a:p>
+        </p:txBody>
+      </p:sp>
+      <p:pic>
+        <p:nvPicPr>
+          <p:cNvPr id="10" name="9 Imagen"/>
+          <p:cNvPicPr>
+            <a:picLocks noChangeAspect="1"/>
+          </p:cNvPicPr>
+          <p:nvPr/>
+        </p:nvPicPr>
+        <p:blipFill>
+          <a:blip r:embed="rId3">
+            <a:extLst>
+              <a:ext uri="{28A0092B-C50C-407E-A947-70E740481C1C}">
+                <a14:useLocalDpi xmlns:a14="http://schemas.microsoft.com/office/drawing/2010/main" val="0"/>
+              </a:ext>
+            </a:extLst>
+          </a:blip>
+          <a:stretch>
+            <a:fillRect/>
+          </a:stretch>
+        </p:blipFill>
+        <p:spPr>
+          <a:xfrm>
+            <a:off x="539552" y="3481422"/>
+            <a:ext cx="1512168" cy="1717822"/>
+          </a:xfrm>
+          <a:prstGeom prst="rect">
+            <a:avLst/>
+          </a:prstGeom>
+        </p:spPr>
+      </p:pic>
+      <p:pic>
+        <p:nvPicPr>
+          <p:cNvPr id="11" name="10 Imagen"/>
+          <p:cNvPicPr>
+            <a:picLocks noChangeAspect="1"/>
+          </p:cNvPicPr>
+          <p:nvPr/>
+        </p:nvPicPr>
+        <p:blipFill>
+          <a:blip r:embed="rId4" cstate="print">
+            <a:extLst>
+              <a:ext uri="{28A0092B-C50C-407E-A947-70E740481C1C}">
+                <a14:useLocalDpi xmlns:a14="http://schemas.microsoft.com/office/drawing/2010/main" val="0"/>
+              </a:ext>
+            </a:extLst>
+          </a:blip>
+          <a:stretch>
+            <a:fillRect/>
+          </a:stretch>
+        </p:blipFill>
+        <p:spPr>
+          <a:xfrm>
+            <a:off x="296625" y="469512"/>
+            <a:ext cx="2142037" cy="735012"/>
+          </a:xfrm>
+          <a:prstGeom prst="rect">
+            <a:avLst/>
+          </a:prstGeom>
+        </p:spPr>
+      </p:pic>
+      <p:sp>
+        <p:nvSpPr>
+          <p:cNvPr id="12" name="1 Título"/>
+          <p:cNvSpPr txBox="1">
+            <a:spLocks/>
+          </p:cNvSpPr>
+          <p:nvPr/>
+        </p:nvSpPr>
+        <p:spPr>
+          <a:xfrm>
+            <a:off x="683568" y="878855"/>
+            <a:ext cx="7772400" cy="1470025"/>
+          </a:xfrm>
+          <a:prstGeom prst="rect">
+            <a:avLst/>
+          </a:prstGeom>
+        </p:spPr>
+        <p:txBody>
+          <a:bodyPr vert="horz" lIns="91440" tIns="45720" rIns="91440" bIns="45720" rtlCol="0" anchor="ctr">
+            <a:normAutofit/>
+          </a:bodyPr>
+          <a:lstStyle>
+            <a:lvl1pPr algn="ctr" defTabSz="914400" rtl="0" eaLnBrk="1" latinLnBrk="0" hangingPunct="1">
+              <a:spcBef>
+                <a:spcPct val="0"/>
+              </a:spcBef>
+              <a:buNone/>
+              <a:defRPr sz="4400" kern="1200">
+                <a:solidFill>
+                  <a:schemeClr val="tx1"/>
+                </a:solidFill>
+                <a:latin typeface="+mj-lt"/>
+                <a:ea typeface="+mj-ea"/>
+                <a:cs typeface="+mj-cs"/>
+              </a:defRPr>
+            </a:lvl1pPr>
+          </a:lstStyle>
+          <a:p>
+            <a:r>
+              <a:rPr lang="es-MX" sz="3200" dirty="0" smtClean="0">
+                <a:latin typeface="Gill Sans MT" panose="020B0502020104020203" pitchFamily="34" charset="0"/>
+              </a:rPr>
+              <a:t>H.  Ayuntamiento Xalapa</a:t>
+            </a:r>
+            <a:br>
+              <a:rPr lang="es-MX" sz="3200" dirty="0" smtClean="0">
+                <a:latin typeface="Gill Sans MT" panose="020B0502020104020203" pitchFamily="34" charset="0"/>
+              </a:rPr>
+            </a:br>
+            <a:r>
+              <a:rPr lang="es-MX" sz="3200" dirty="0" smtClean="0">
+                <a:latin typeface="Gill Sans MT" panose="020B0502020104020203" pitchFamily="34" charset="0"/>
+              </a:rPr>
+              <a:t> </a:t>
+            </a:r>
+            <a:r>
+              <a:rPr lang="es-MX" sz="2800" dirty="0" smtClean="0">
+                <a:latin typeface="Gill Sans MT" panose="020B0502020104020203" pitchFamily="34" charset="0"/>
+              </a:rPr>
+              <a:t>Gobierno del Estado de Veracruz</a:t>
+            </a:r>
+            <a:endParaRPr lang="es-MX" sz="2800" dirty="0">
+              <a:latin typeface="Gill Sans MT" panose="020B0502020104020203" pitchFamily="34" charset="0"/>
+            </a:endParaRPr>
+          </a:p>
+        </p:txBody>
+      </p:sp>
+      <p:pic>
+        <p:nvPicPr>
+          <p:cNvPr id="13" name="12 Imagen"/>
+          <p:cNvPicPr>
+            <a:picLocks noChangeAspect="1"/>
+          </p:cNvPicPr>
+          <p:nvPr/>
+        </p:nvPicPr>
+        <p:blipFill>
+          <a:blip r:embed="rId5">
+            <a:extLst>
+              <a:ext uri="{28A0092B-C50C-407E-A947-70E740481C1C}">
+                <a14:useLocalDpi xmlns:a14="http://schemas.microsoft.com/office/drawing/2010/main" val="0"/>
+              </a:ext>
+            </a:extLst>
+          </a:blip>
+          <a:stretch>
+            <a:fillRect/>
+          </a:stretch>
+        </p:blipFill>
+        <p:spPr>
+          <a:xfrm>
+            <a:off x="6588224" y="210472"/>
+            <a:ext cx="2328991" cy="1265756"/>
+          </a:xfrm>
+          <a:prstGeom prst="rect">
+            <a:avLst/>
+          </a:prstGeom>
+        </p:spPr>
+      </p:pic>
+      <p:pic>
+        <p:nvPicPr>
+          <p:cNvPr id="14" name="13 Imagen"/>
+          <p:cNvPicPr>
+            <a:picLocks noChangeAspect="1"/>
+          </p:cNvPicPr>
+          <p:nvPr/>
+        </p:nvPicPr>
+        <p:blipFill>
+          <a:blip r:embed="rId6" cstate="print">
+            <a:extLst>
+              <a:ext uri="{28A0092B-C50C-407E-A947-70E740481C1C}">
+                <a14:useLocalDpi xmlns:a14="http://schemas.microsoft.com/office/drawing/2010/main" val="0"/>
+              </a:ext>
+            </a:extLst>
+          </a:blip>
+          <a:stretch>
+            <a:fillRect/>
+          </a:stretch>
+        </p:blipFill>
+        <p:spPr>
+          <a:xfrm>
+            <a:off x="6588224" y="3977204"/>
+            <a:ext cx="2328991" cy="726258"/>
+          </a:xfrm>
+          <a:prstGeom prst="rect">
+            <a:avLst/>
+          </a:prstGeom>
+        </p:spPr>
+      </p:pic>
+    </p:spTree>
+    <p:extLst>
+      <p:ext uri="{BB962C8B-B14F-4D97-AF65-F5344CB8AC3E}">
+        <p14:creationId xmlns:p14="http://schemas.microsoft.com/office/powerpoint/2010/main" val="3349717132"/>
+      </p:ext>
+    </p:extLst>
+  </p:cSld>
+  <p:clrMapOvr>
+    <a:masterClrMapping/>
+  </p:clrMapOvr>
+  <mc:AlternateContent xmlns:mc="http://schemas.openxmlformats.org/markup-compatibility/2006" xmlns:p14="http://schemas.microsoft.com/office/powerpoint/2010/main">
+    <mc:Choice Requires="p14">
+      <p:transition spd="med" p14:dur="700">
+        <p:fade/>
+      </p:transition>
+    </mc:Choice>
+    <mc:Fallback xmlns="">
+      <p:transition spd="med">
+        <p:fade/>
+      </p:transition>
+    </mc:Fallback>
+  </mc:AlternateContent>
+  <p:timing>
+    <p:tnLst>
+      <p:par>
+        <p:cTn id="1" dur="indefinite" restart="never" nodeType="tmRoot"/>
+      </p:par>
+    </p:tnLst>
+  </p:timing>
+</p:sld>
+</file>
+
+<file path=ppt/slides/slide2.xml><?xml version="1.0" encoding="utf-8"?>
+<p:sld xmlns:a="http://schemas.openxmlformats.org/drawingml/2006/main" xmlns:r="http://schemas.openxmlformats.org/officeDocument/2006/relationships" xmlns:p="http://schemas.openxmlformats.org/presentationml/2006/main">
+  <p:cSld>
+    <p:spTree>
+      <p:nvGrpSpPr>
+        <p:cNvPr id="1" name=""/>
+        <p:cNvGrpSpPr/>
+        <p:nvPr/>
+      </p:nvGrpSpPr>
+      <p:grpSpPr>
+        <a:xfrm>
+          <a:off x="0" y="0"/>
+          <a:ext cx="0" cy="0"/>
+          <a:chOff x="0" y="0"/>
+          <a:chExt cx="0" cy="0"/>
+        </a:xfrm>
+      </p:grpSpPr>
+      <p:sp>
+        <p:nvSpPr>
+          <p:cNvPr id="2" name="1 Título"/>
+          <p:cNvSpPr>
+            <a:spLocks noGrp="1"/>
+          </p:cNvSpPr>
+          <p:nvPr>
+            <p:ph type="title"/>
+          </p:nvPr>
+        </p:nvSpPr>
+        <p:spPr>
+          <a:xfrm>
+            <a:off x="457200" y="188640"/>
+            <a:ext cx="8229600" cy="1143000"/>
+          </a:xfrm>
+        </p:spPr>
+        <p:txBody>
+          <a:bodyPr/>
+          <a:lstStyle/>
+          <a:p>
+            <a:r>
+              <a:rPr lang="es-MX" dirty="0" smtClean="0">
+                <a:latin typeface="Gill Sans MT" panose="020B0502020104020203" pitchFamily="34" charset="0"/>
+              </a:rPr>
+              <a:t>Visión y contexto</a:t>
+            </a:r>
+            <a:endParaRPr lang="es-MX" dirty="0">
+              <a:latin typeface="Gill Sans MT" panose="020B0502020104020203" pitchFamily="34" charset="0"/>
+            </a:endParaRPr>
+          </a:p>
+        </p:txBody>
+      </p:sp>
+      <p:sp>
+        <p:nvSpPr>
+          <p:cNvPr id="3" name="2 Marcador de contenido"/>
+          <p:cNvSpPr>
+            <a:spLocks noGrp="1"/>
+          </p:cNvSpPr>
+          <p:nvPr>
+            <p:ph idx="1"/>
+          </p:nvPr>
+        </p:nvSpPr>
+        <p:spPr/>
+        <p:txBody>
+          <a:bodyPr>
+            <a:normAutofit/>
+          </a:bodyPr>
+          <a:lstStyle/>
+          <a:p>
+            <a:pPr algn="just"/>
+            <a:r>
+              <a:rPr lang="es-MX" dirty="0" smtClean="0">
+                <a:latin typeface="Times New Roman" panose="02020603050405020304" pitchFamily="18" charset="0"/>
+                <a:cs typeface="Times New Roman" panose="02020603050405020304" pitchFamily="18" charset="0"/>
+              </a:rPr>
+              <a:t>Dificultad de los ciudadanos para obtener donaciones de sangre o medicamentos cuando se necesitan</a:t>
+            </a:r>
+            <a:endParaRPr lang="es-MX" dirty="0" smtClean="0">
+              <a:latin typeface="Times New Roman" panose="02020603050405020304" pitchFamily="18" charset="0"/>
+              <a:cs typeface="Times New Roman" panose="02020603050405020304" pitchFamily="18" charset="0"/>
+            </a:endParaRPr>
+          </a:p>
+          <a:p>
+            <a:pPr lvl="1" algn="just"/>
+            <a:r>
+              <a:rPr lang="es-MX" dirty="0" smtClean="0">
+                <a:latin typeface="Times New Roman" panose="02020603050405020304" pitchFamily="18" charset="0"/>
+                <a:cs typeface="Times New Roman" panose="02020603050405020304" pitchFamily="18" charset="0"/>
+              </a:rPr>
+              <a:t>Falta de solidaridad</a:t>
+            </a:r>
+          </a:p>
+          <a:p>
+            <a:pPr algn="just"/>
+            <a:r>
+              <a:rPr lang="es-MX" dirty="0" smtClean="0">
+                <a:latin typeface="Times New Roman" panose="02020603050405020304" pitchFamily="18" charset="0"/>
+                <a:cs typeface="Times New Roman" panose="02020603050405020304" pitchFamily="18" charset="0"/>
+              </a:rPr>
+              <a:t>Falta de información sobre temas de salud</a:t>
+            </a:r>
+          </a:p>
+          <a:p>
+            <a:pPr lvl="1" algn="just"/>
+            <a:r>
+              <a:rPr lang="es-MX" dirty="0" smtClean="0">
+                <a:latin typeface="Times New Roman" panose="02020603050405020304" pitchFamily="18" charset="0"/>
+                <a:cs typeface="Times New Roman" panose="02020603050405020304" pitchFamily="18" charset="0"/>
+              </a:rPr>
+              <a:t>Problemas de salud en la mayoría de las comunidades</a:t>
+            </a:r>
+            <a:endParaRPr lang="es-MX" dirty="0" smtClean="0">
+              <a:latin typeface="Times New Roman" panose="02020603050405020304" pitchFamily="18" charset="0"/>
+              <a:cs typeface="Times New Roman" panose="02020603050405020304" pitchFamily="18" charset="0"/>
+            </a:endParaRPr>
+          </a:p>
+          <a:p>
+            <a:pPr lvl="1" algn="just"/>
+            <a:r>
+              <a:rPr lang="es-MX" dirty="0" smtClean="0">
+                <a:latin typeface="Times New Roman" panose="02020603050405020304" pitchFamily="18" charset="0"/>
+                <a:cs typeface="Times New Roman" panose="02020603050405020304" pitchFamily="18" charset="0"/>
+              </a:rPr>
+              <a:t>Ayto. </a:t>
+            </a:r>
+            <a:r>
+              <a:rPr lang="es-MX" b="1" dirty="0" smtClean="0">
+                <a:latin typeface="Times New Roman" panose="02020603050405020304" pitchFamily="18" charset="0"/>
+                <a:cs typeface="Times New Roman" panose="02020603050405020304" pitchFamily="18" charset="0"/>
+              </a:rPr>
+              <a:t>no</a:t>
+            </a:r>
+            <a:r>
+              <a:rPr lang="es-MX" dirty="0" smtClean="0">
+                <a:latin typeface="Times New Roman" panose="02020603050405020304" pitchFamily="18" charset="0"/>
+                <a:cs typeface="Times New Roman" panose="02020603050405020304" pitchFamily="18" charset="0"/>
+              </a:rPr>
+              <a:t> cuenta con medio de difusión</a:t>
+            </a:r>
+            <a:endParaRPr lang="es-MX" dirty="0">
+              <a:latin typeface="Times New Roman" panose="02020603050405020304" pitchFamily="18" charset="0"/>
+              <a:cs typeface="Times New Roman" panose="02020603050405020304" pitchFamily="18" charset="0"/>
+            </a:endParaRPr>
+          </a:p>
+        </p:txBody>
+      </p:sp>
+      <p:sp>
+        <p:nvSpPr>
+          <p:cNvPr id="4" name="3 Rectángulo"/>
+          <p:cNvSpPr/>
+          <p:nvPr/>
+        </p:nvSpPr>
+        <p:spPr>
+          <a:xfrm>
+            <a:off x="10313" y="1124744"/>
+            <a:ext cx="9144000" cy="72008"/>
+          </a:xfrm>
+          <a:prstGeom prst="rect">
+            <a:avLst/>
+          </a:prstGeom>
+          <a:solidFill>
+            <a:srgbClr val="DD23C7"/>
+          </a:solidFill>
+          <a:ln>
+            <a:noFill/>
+          </a:ln>
+        </p:spPr>
+        <p:style>
+          <a:lnRef idx="2">
+            <a:schemeClr val="accent1">
+              <a:shade val="50000"/>
+            </a:schemeClr>
+          </a:lnRef>
+          <a:fillRef idx="1">
+            <a:schemeClr val="accent1"/>
+          </a:fillRef>
+          <a:effectRef idx="0">
+            <a:schemeClr val="accent1"/>
+          </a:effectRef>
+          <a:fontRef idx="minor">
+            <a:schemeClr val="lt1"/>
+          </a:fontRef>
+        </p:style>
+        <p:txBody>
+          <a:bodyPr rtlCol="0" anchor="ctr"/>
+          <a:lstStyle/>
+          <a:p>
+            <a:pPr algn="ctr"/>
+            <a:endParaRPr lang="es-MX"/>
+          </a:p>
+        </p:txBody>
+      </p:sp>
+      <p:sp>
+        <p:nvSpPr>
+          <p:cNvPr id="5" name="4 Rectángulo"/>
+          <p:cNvSpPr/>
+          <p:nvPr/>
+        </p:nvSpPr>
+        <p:spPr>
+          <a:xfrm>
+            <a:off x="10313" y="1268760"/>
+            <a:ext cx="9144000" cy="144016"/>
+          </a:xfrm>
+          <a:prstGeom prst="rect">
+            <a:avLst/>
+          </a:prstGeom>
+          <a:solidFill>
+            <a:srgbClr val="004F9C"/>
+          </a:solidFill>
+          <a:ln>
+            <a:noFill/>
+          </a:ln>
+        </p:spPr>
+        <p:style>
+          <a:lnRef idx="2">
+            <a:schemeClr val="accent1">
+              <a:shade val="50000"/>
+            </a:schemeClr>
+          </a:lnRef>
+          <a:fillRef idx="1">
+            <a:schemeClr val="accent1"/>
+          </a:fillRef>
+          <a:effectRef idx="0">
+            <a:schemeClr val="accent1"/>
+          </a:effectRef>
+          <a:fontRef idx="minor">
+            <a:schemeClr val="lt1"/>
+          </a:fontRef>
+        </p:style>
+        <p:txBody>
+          <a:bodyPr rtlCol="0" anchor="ctr"/>
+          <a:lstStyle/>
+          <a:p>
+            <a:pPr algn="ctr"/>
+            <a:endParaRPr lang="es-MX"/>
+          </a:p>
+        </p:txBody>
+      </p:sp>
+      <p:sp>
+        <p:nvSpPr>
+          <p:cNvPr id="7" name="6 Marcador de número de diapositiva"/>
+          <p:cNvSpPr>
+            <a:spLocks noGrp="1"/>
+          </p:cNvSpPr>
+          <p:nvPr>
+            <p:ph type="sldNum" sz="quarter" idx="12"/>
+          </p:nvPr>
+        </p:nvSpPr>
+        <p:spPr/>
+        <p:txBody>
+          <a:bodyPr/>
+          <a:lstStyle/>
+          <a:p>
+            <a:fld id="{3C9ABA9E-4878-471D-9273-2841A9D0AB0C}" type="slidenum">
+              <a:rPr lang="es-MX" smtClean="0"/>
+              <a:t>2</a:t>
+            </a:fld>
+            <a:endParaRPr lang="es-MX"/>
+          </a:p>
+        </p:txBody>
+      </p:sp>
+      <p:pic>
+        <p:nvPicPr>
+          <p:cNvPr id="8" name="7 Imagen"/>
+          <p:cNvPicPr>
+            <a:picLocks noChangeAspect="1"/>
+          </p:cNvPicPr>
+          <p:nvPr/>
+        </p:nvPicPr>
+        <p:blipFill>
+          <a:blip r:embed="rId3" cstate="print">
             <a:extLst>
               <a:ext uri="{28A0092B-C50C-407E-A947-70E740481C1C}">
                 <a14:useLocalDpi xmlns:a14="http://schemas.microsoft.com/office/drawing/2010/main" val="0"/>
@@ -4466,6 +6403,1760 @@
     <p:extLst>
       <p:ext uri="{BB962C8B-B14F-4D97-AF65-F5344CB8AC3E}">
         <p14:creationId xmlns:p14="http://schemas.microsoft.com/office/powerpoint/2010/main" val="1796974496"/>
+      </p:ext>
+    </p:extLst>
+  </p:cSld>
+  <p:clrMapOvr>
+    <a:masterClrMapping/>
+  </p:clrMapOvr>
+  <mc:AlternateContent xmlns:mc="http://schemas.openxmlformats.org/markup-compatibility/2006" xmlns:p14="http://schemas.microsoft.com/office/powerpoint/2010/main">
+    <mc:Choice Requires="p14">
+      <p:transition spd="med" p14:dur="700">
+        <p:fade/>
+      </p:transition>
+    </mc:Choice>
+    <mc:Fallback xmlns="">
+      <p:transition spd="med">
+        <p:fade/>
+      </p:transition>
+    </mc:Fallback>
+  </mc:AlternateContent>
+  <p:timing>
+    <p:tnLst>
+      <p:par>
+        <p:cTn id="1" dur="indefinite" restart="never" nodeType="tmRoot"/>
+      </p:par>
+    </p:tnLst>
+  </p:timing>
+</p:sld>
+</file>
+
+<file path=ppt/slides/slide3.xml><?xml version="1.0" encoding="utf-8"?>
+<p:sld xmlns:a="http://schemas.openxmlformats.org/drawingml/2006/main" xmlns:r="http://schemas.openxmlformats.org/officeDocument/2006/relationships" xmlns:p="http://schemas.openxmlformats.org/presentationml/2006/main">
+  <p:cSld>
+    <p:spTree>
+      <p:nvGrpSpPr>
+        <p:cNvPr id="1" name=""/>
+        <p:cNvGrpSpPr/>
+        <p:nvPr/>
+      </p:nvGrpSpPr>
+      <p:grpSpPr>
+        <a:xfrm>
+          <a:off x="0" y="0"/>
+          <a:ext cx="0" cy="0"/>
+          <a:chOff x="0" y="0"/>
+          <a:chExt cx="0" cy="0"/>
+        </a:xfrm>
+      </p:grpSpPr>
+      <p:sp>
+        <p:nvSpPr>
+          <p:cNvPr id="2" name="1 Título"/>
+          <p:cNvSpPr>
+            <a:spLocks noGrp="1"/>
+          </p:cNvSpPr>
+          <p:nvPr>
+            <p:ph type="title"/>
+          </p:nvPr>
+        </p:nvSpPr>
+        <p:spPr>
+          <a:xfrm>
+            <a:off x="457200" y="188640"/>
+            <a:ext cx="8229600" cy="1143000"/>
+          </a:xfrm>
+        </p:spPr>
+        <p:txBody>
+          <a:bodyPr/>
+          <a:lstStyle/>
+          <a:p>
+            <a:r>
+              <a:rPr lang="es-MX" dirty="0" smtClean="0">
+                <a:latin typeface="Gill Sans MT" panose="020B0502020104020203" pitchFamily="34" charset="0"/>
+              </a:rPr>
+              <a:t>Visión y contexto (2)</a:t>
+            </a:r>
+            <a:endParaRPr lang="es-MX" dirty="0">
+              <a:latin typeface="Gill Sans MT" panose="020B0502020104020203" pitchFamily="34" charset="0"/>
+            </a:endParaRPr>
+          </a:p>
+        </p:txBody>
+      </p:sp>
+      <p:sp>
+        <p:nvSpPr>
+          <p:cNvPr id="3" name="2 Marcador de contenido"/>
+          <p:cNvSpPr>
+            <a:spLocks noGrp="1"/>
+          </p:cNvSpPr>
+          <p:nvPr>
+            <p:ph idx="1"/>
+          </p:nvPr>
+        </p:nvSpPr>
+        <p:spPr/>
+        <p:txBody>
+          <a:bodyPr/>
+          <a:lstStyle/>
+          <a:p>
+            <a:endParaRPr lang="es-MX" dirty="0">
+              <a:latin typeface="Times New Roman" panose="02020603050405020304" pitchFamily="18" charset="0"/>
+              <a:cs typeface="Times New Roman" panose="02020603050405020304" pitchFamily="18" charset="0"/>
+            </a:endParaRPr>
+          </a:p>
+        </p:txBody>
+      </p:sp>
+      <p:sp>
+        <p:nvSpPr>
+          <p:cNvPr id="4" name="3 Rectángulo"/>
+          <p:cNvSpPr/>
+          <p:nvPr/>
+        </p:nvSpPr>
+        <p:spPr>
+          <a:xfrm>
+            <a:off x="10313" y="1124744"/>
+            <a:ext cx="9144000" cy="72008"/>
+          </a:xfrm>
+          <a:prstGeom prst="rect">
+            <a:avLst/>
+          </a:prstGeom>
+          <a:solidFill>
+            <a:srgbClr val="DD23C7"/>
+          </a:solidFill>
+          <a:ln>
+            <a:noFill/>
+          </a:ln>
+        </p:spPr>
+        <p:style>
+          <a:lnRef idx="2">
+            <a:schemeClr val="accent1">
+              <a:shade val="50000"/>
+            </a:schemeClr>
+          </a:lnRef>
+          <a:fillRef idx="1">
+            <a:schemeClr val="accent1"/>
+          </a:fillRef>
+          <a:effectRef idx="0">
+            <a:schemeClr val="accent1"/>
+          </a:effectRef>
+          <a:fontRef idx="minor">
+            <a:schemeClr val="lt1"/>
+          </a:fontRef>
+        </p:style>
+        <p:txBody>
+          <a:bodyPr rtlCol="0" anchor="ctr"/>
+          <a:lstStyle/>
+          <a:p>
+            <a:pPr algn="ctr"/>
+            <a:endParaRPr lang="es-MX"/>
+          </a:p>
+        </p:txBody>
+      </p:sp>
+      <p:sp>
+        <p:nvSpPr>
+          <p:cNvPr id="5" name="4 Rectángulo"/>
+          <p:cNvSpPr/>
+          <p:nvPr/>
+        </p:nvSpPr>
+        <p:spPr>
+          <a:xfrm>
+            <a:off x="10313" y="1268760"/>
+            <a:ext cx="9144000" cy="144016"/>
+          </a:xfrm>
+          <a:prstGeom prst="rect">
+            <a:avLst/>
+          </a:prstGeom>
+          <a:solidFill>
+            <a:srgbClr val="004F9C"/>
+          </a:solidFill>
+          <a:ln>
+            <a:noFill/>
+          </a:ln>
+        </p:spPr>
+        <p:style>
+          <a:lnRef idx="2">
+            <a:schemeClr val="accent1">
+              <a:shade val="50000"/>
+            </a:schemeClr>
+          </a:lnRef>
+          <a:fillRef idx="1">
+            <a:schemeClr val="accent1"/>
+          </a:fillRef>
+          <a:effectRef idx="0">
+            <a:schemeClr val="accent1"/>
+          </a:effectRef>
+          <a:fontRef idx="minor">
+            <a:schemeClr val="lt1"/>
+          </a:fontRef>
+        </p:style>
+        <p:txBody>
+          <a:bodyPr rtlCol="0" anchor="ctr"/>
+          <a:lstStyle/>
+          <a:p>
+            <a:pPr algn="ctr"/>
+            <a:endParaRPr lang="es-MX"/>
+          </a:p>
+        </p:txBody>
+      </p:sp>
+      <p:sp>
+        <p:nvSpPr>
+          <p:cNvPr id="7" name="6 Marcador de número de diapositiva"/>
+          <p:cNvSpPr>
+            <a:spLocks noGrp="1"/>
+          </p:cNvSpPr>
+          <p:nvPr>
+            <p:ph type="sldNum" sz="quarter" idx="12"/>
+          </p:nvPr>
+        </p:nvSpPr>
+        <p:spPr/>
+        <p:txBody>
+          <a:bodyPr/>
+          <a:lstStyle/>
+          <a:p>
+            <a:fld id="{3C9ABA9E-4878-471D-9273-2841A9D0AB0C}" type="slidenum">
+              <a:rPr lang="es-MX" smtClean="0"/>
+              <a:t>3</a:t>
+            </a:fld>
+            <a:endParaRPr lang="es-MX"/>
+          </a:p>
+        </p:txBody>
+      </p:sp>
+      <p:pic>
+        <p:nvPicPr>
+          <p:cNvPr id="8" name="7 Imagen"/>
+          <p:cNvPicPr>
+            <a:picLocks noChangeAspect="1"/>
+          </p:cNvPicPr>
+          <p:nvPr/>
+        </p:nvPicPr>
+        <p:blipFill>
+          <a:blip r:embed="rId3" cstate="print">
+            <a:extLst>
+              <a:ext uri="{28A0092B-C50C-407E-A947-70E740481C1C}">
+                <a14:useLocalDpi xmlns:a14="http://schemas.microsoft.com/office/drawing/2010/main" val="0"/>
+              </a:ext>
+            </a:extLst>
+          </a:blip>
+          <a:stretch>
+            <a:fillRect/>
+          </a:stretch>
+        </p:blipFill>
+        <p:spPr>
+          <a:xfrm>
+            <a:off x="307594" y="6309320"/>
+            <a:ext cx="256165" cy="362070"/>
+          </a:xfrm>
+          <a:prstGeom prst="rect">
+            <a:avLst/>
+          </a:prstGeom>
+        </p:spPr>
+      </p:pic>
+    </p:spTree>
+    <p:extLst>
+      <p:ext uri="{BB962C8B-B14F-4D97-AF65-F5344CB8AC3E}">
+        <p14:creationId xmlns:p14="http://schemas.microsoft.com/office/powerpoint/2010/main" val="3897936608"/>
+      </p:ext>
+    </p:extLst>
+  </p:cSld>
+  <p:clrMapOvr>
+    <a:masterClrMapping/>
+  </p:clrMapOvr>
+  <mc:AlternateContent xmlns:mc="http://schemas.openxmlformats.org/markup-compatibility/2006" xmlns:p14="http://schemas.microsoft.com/office/powerpoint/2010/main">
+    <mc:Choice Requires="p14">
+      <p:transition spd="med" p14:dur="700">
+        <p:fade/>
+      </p:transition>
+    </mc:Choice>
+    <mc:Fallback xmlns="">
+      <p:transition spd="med">
+        <p:fade/>
+      </p:transition>
+    </mc:Fallback>
+  </mc:AlternateContent>
+  <p:timing>
+    <p:tnLst>
+      <p:par>
+        <p:cTn id="1" dur="indefinite" restart="never" nodeType="tmRoot"/>
+      </p:par>
+    </p:tnLst>
+  </p:timing>
+</p:sld>
+</file>
+
+<file path=ppt/slides/slide4.xml><?xml version="1.0" encoding="utf-8"?>
+<p:sld xmlns:a="http://schemas.openxmlformats.org/drawingml/2006/main" xmlns:r="http://schemas.openxmlformats.org/officeDocument/2006/relationships" xmlns:p="http://schemas.openxmlformats.org/presentationml/2006/main">
+  <p:cSld>
+    <p:spTree>
+      <p:nvGrpSpPr>
+        <p:cNvPr id="1" name=""/>
+        <p:cNvGrpSpPr/>
+        <p:nvPr/>
+      </p:nvGrpSpPr>
+      <p:grpSpPr>
+        <a:xfrm>
+          <a:off x="0" y="0"/>
+          <a:ext cx="0" cy="0"/>
+          <a:chOff x="0" y="0"/>
+          <a:chExt cx="0" cy="0"/>
+        </a:xfrm>
+      </p:grpSpPr>
+      <p:sp>
+        <p:nvSpPr>
+          <p:cNvPr id="2" name="1 Título"/>
+          <p:cNvSpPr>
+            <a:spLocks noGrp="1"/>
+          </p:cNvSpPr>
+          <p:nvPr>
+            <p:ph type="title"/>
+          </p:nvPr>
+        </p:nvSpPr>
+        <p:spPr>
+          <a:xfrm>
+            <a:off x="457200" y="188640"/>
+            <a:ext cx="8229600" cy="1143000"/>
+          </a:xfrm>
+        </p:spPr>
+        <p:txBody>
+          <a:bodyPr/>
+          <a:lstStyle/>
+          <a:p>
+            <a:r>
+              <a:rPr lang="es-MX" dirty="0" smtClean="0">
+                <a:latin typeface="Gill Sans MT" panose="020B0502020104020203" pitchFamily="34" charset="0"/>
+              </a:rPr>
+              <a:t>Objetivo</a:t>
+            </a:r>
+            <a:endParaRPr lang="es-MX" dirty="0">
+              <a:latin typeface="Gill Sans MT" panose="020B0502020104020203" pitchFamily="34" charset="0"/>
+            </a:endParaRPr>
+          </a:p>
+        </p:txBody>
+      </p:sp>
+      <p:sp>
+        <p:nvSpPr>
+          <p:cNvPr id="3" name="2 Marcador de contenido"/>
+          <p:cNvSpPr>
+            <a:spLocks noGrp="1"/>
+          </p:cNvSpPr>
+          <p:nvPr>
+            <p:ph idx="1"/>
+          </p:nvPr>
+        </p:nvSpPr>
+        <p:spPr/>
+        <p:txBody>
+          <a:bodyPr/>
+          <a:lstStyle/>
+          <a:p>
+            <a:pPr marL="0" indent="0" algn="just">
+              <a:buNone/>
+            </a:pPr>
+            <a:r>
+              <a:rPr lang="es-MX" dirty="0" smtClean="0">
+                <a:latin typeface="Times New Roman" panose="02020603050405020304" pitchFamily="18" charset="0"/>
+                <a:cs typeface="Times New Roman" panose="02020603050405020304" pitchFamily="18" charset="0"/>
+              </a:rPr>
+              <a:t>	“Desarrollar una plataforma tecnológica que garantice la cooperación de la sociedad en la resolución de problemas relacionados con la salud pública a través de la difusión de información, fomentando la participación solidaria de la personas en relación con las donaciones de sangre y medicamentos.”</a:t>
+            </a:r>
+          </a:p>
+          <a:p>
+            <a:pPr marL="457200" lvl="1" indent="0" algn="just">
+              <a:buNone/>
+            </a:pPr>
+            <a:r>
+              <a:rPr lang="es-MX" dirty="0">
+                <a:latin typeface="Times New Roman" panose="02020603050405020304" pitchFamily="18" charset="0"/>
+                <a:cs typeface="Times New Roman" panose="02020603050405020304" pitchFamily="18" charset="0"/>
+              </a:rPr>
+              <a:t>	</a:t>
+            </a:r>
+            <a:r>
+              <a:rPr lang="es-MX" dirty="0" smtClean="0">
+                <a:latin typeface="Times New Roman" panose="02020603050405020304" pitchFamily="18" charset="0"/>
+                <a:cs typeface="Times New Roman" panose="02020603050405020304" pitchFamily="18" charset="0"/>
+              </a:rPr>
+              <a:t>					Salud Xalapa</a:t>
+            </a:r>
+            <a:endParaRPr lang="es-MX" dirty="0">
+              <a:latin typeface="Times New Roman" panose="02020603050405020304" pitchFamily="18" charset="0"/>
+              <a:cs typeface="Times New Roman" panose="02020603050405020304" pitchFamily="18" charset="0"/>
+            </a:endParaRPr>
+          </a:p>
+        </p:txBody>
+      </p:sp>
+      <p:sp>
+        <p:nvSpPr>
+          <p:cNvPr id="4" name="3 Rectángulo"/>
+          <p:cNvSpPr/>
+          <p:nvPr/>
+        </p:nvSpPr>
+        <p:spPr>
+          <a:xfrm>
+            <a:off x="10313" y="1124744"/>
+            <a:ext cx="9144000" cy="72008"/>
+          </a:xfrm>
+          <a:prstGeom prst="rect">
+            <a:avLst/>
+          </a:prstGeom>
+          <a:solidFill>
+            <a:srgbClr val="DD23C7"/>
+          </a:solidFill>
+          <a:ln>
+            <a:noFill/>
+          </a:ln>
+        </p:spPr>
+        <p:style>
+          <a:lnRef idx="2">
+            <a:schemeClr val="accent1">
+              <a:shade val="50000"/>
+            </a:schemeClr>
+          </a:lnRef>
+          <a:fillRef idx="1">
+            <a:schemeClr val="accent1"/>
+          </a:fillRef>
+          <a:effectRef idx="0">
+            <a:schemeClr val="accent1"/>
+          </a:effectRef>
+          <a:fontRef idx="minor">
+            <a:schemeClr val="lt1"/>
+          </a:fontRef>
+        </p:style>
+        <p:txBody>
+          <a:bodyPr rtlCol="0" anchor="ctr"/>
+          <a:lstStyle/>
+          <a:p>
+            <a:pPr algn="ctr"/>
+            <a:endParaRPr lang="es-MX"/>
+          </a:p>
+        </p:txBody>
+      </p:sp>
+      <p:sp>
+        <p:nvSpPr>
+          <p:cNvPr id="5" name="4 Rectángulo"/>
+          <p:cNvSpPr/>
+          <p:nvPr/>
+        </p:nvSpPr>
+        <p:spPr>
+          <a:xfrm>
+            <a:off x="10313" y="1268760"/>
+            <a:ext cx="9144000" cy="144016"/>
+          </a:xfrm>
+          <a:prstGeom prst="rect">
+            <a:avLst/>
+          </a:prstGeom>
+          <a:solidFill>
+            <a:srgbClr val="004F9C"/>
+          </a:solidFill>
+          <a:ln>
+            <a:noFill/>
+          </a:ln>
+        </p:spPr>
+        <p:style>
+          <a:lnRef idx="2">
+            <a:schemeClr val="accent1">
+              <a:shade val="50000"/>
+            </a:schemeClr>
+          </a:lnRef>
+          <a:fillRef idx="1">
+            <a:schemeClr val="accent1"/>
+          </a:fillRef>
+          <a:effectRef idx="0">
+            <a:schemeClr val="accent1"/>
+          </a:effectRef>
+          <a:fontRef idx="minor">
+            <a:schemeClr val="lt1"/>
+          </a:fontRef>
+        </p:style>
+        <p:txBody>
+          <a:bodyPr rtlCol="0" anchor="ctr"/>
+          <a:lstStyle/>
+          <a:p>
+            <a:pPr algn="ctr"/>
+            <a:endParaRPr lang="es-MX"/>
+          </a:p>
+        </p:txBody>
+      </p:sp>
+      <p:sp>
+        <p:nvSpPr>
+          <p:cNvPr id="7" name="6 Marcador de número de diapositiva"/>
+          <p:cNvSpPr>
+            <a:spLocks noGrp="1"/>
+          </p:cNvSpPr>
+          <p:nvPr>
+            <p:ph type="sldNum" sz="quarter" idx="12"/>
+          </p:nvPr>
+        </p:nvSpPr>
+        <p:spPr/>
+        <p:txBody>
+          <a:bodyPr/>
+          <a:lstStyle/>
+          <a:p>
+            <a:fld id="{3C9ABA9E-4878-471D-9273-2841A9D0AB0C}" type="slidenum">
+              <a:rPr lang="es-MX" smtClean="0"/>
+              <a:t>4</a:t>
+            </a:fld>
+            <a:endParaRPr lang="es-MX"/>
+          </a:p>
+        </p:txBody>
+      </p:sp>
+      <p:pic>
+        <p:nvPicPr>
+          <p:cNvPr id="8" name="7 Imagen"/>
+          <p:cNvPicPr>
+            <a:picLocks noChangeAspect="1"/>
+          </p:cNvPicPr>
+          <p:nvPr/>
+        </p:nvPicPr>
+        <p:blipFill>
+          <a:blip r:embed="rId3" cstate="print">
+            <a:extLst>
+              <a:ext uri="{28A0092B-C50C-407E-A947-70E740481C1C}">
+                <a14:useLocalDpi xmlns:a14="http://schemas.microsoft.com/office/drawing/2010/main" val="0"/>
+              </a:ext>
+            </a:extLst>
+          </a:blip>
+          <a:stretch>
+            <a:fillRect/>
+          </a:stretch>
+        </p:blipFill>
+        <p:spPr>
+          <a:xfrm>
+            <a:off x="307594" y="6309320"/>
+            <a:ext cx="256165" cy="362070"/>
+          </a:xfrm>
+          <a:prstGeom prst="rect">
+            <a:avLst/>
+          </a:prstGeom>
+        </p:spPr>
+      </p:pic>
+    </p:spTree>
+    <p:extLst>
+      <p:ext uri="{BB962C8B-B14F-4D97-AF65-F5344CB8AC3E}">
+        <p14:creationId xmlns:p14="http://schemas.microsoft.com/office/powerpoint/2010/main" val="610374076"/>
+      </p:ext>
+    </p:extLst>
+  </p:cSld>
+  <p:clrMapOvr>
+    <a:masterClrMapping/>
+  </p:clrMapOvr>
+  <mc:AlternateContent xmlns:mc="http://schemas.openxmlformats.org/markup-compatibility/2006" xmlns:p14="http://schemas.microsoft.com/office/powerpoint/2010/main">
+    <mc:Choice Requires="p14">
+      <p:transition spd="med" p14:dur="700">
+        <p:fade/>
+      </p:transition>
+    </mc:Choice>
+    <mc:Fallback xmlns="">
+      <p:transition spd="med">
+        <p:fade/>
+      </p:transition>
+    </mc:Fallback>
+  </mc:AlternateContent>
+  <p:timing>
+    <p:tnLst>
+      <p:par>
+        <p:cTn id="1" dur="indefinite" restart="never" nodeType="tmRoot"/>
+      </p:par>
+    </p:tnLst>
+  </p:timing>
+</p:sld>
+</file>
+
+<file path=ppt/slides/slide5.xml><?xml version="1.0" encoding="utf-8"?>
+<p:sld xmlns:a="http://schemas.openxmlformats.org/drawingml/2006/main" xmlns:r="http://schemas.openxmlformats.org/officeDocument/2006/relationships" xmlns:p="http://schemas.openxmlformats.org/presentationml/2006/main">
+  <p:cSld>
+    <p:spTree>
+      <p:nvGrpSpPr>
+        <p:cNvPr id="1" name=""/>
+        <p:cNvGrpSpPr/>
+        <p:nvPr/>
+      </p:nvGrpSpPr>
+      <p:grpSpPr>
+        <a:xfrm>
+          <a:off x="0" y="0"/>
+          <a:ext cx="0" cy="0"/>
+          <a:chOff x="0" y="0"/>
+          <a:chExt cx="0" cy="0"/>
+        </a:xfrm>
+      </p:grpSpPr>
+      <p:sp>
+        <p:nvSpPr>
+          <p:cNvPr id="2" name="1 Título"/>
+          <p:cNvSpPr>
+            <a:spLocks noGrp="1"/>
+          </p:cNvSpPr>
+          <p:nvPr>
+            <p:ph type="title"/>
+          </p:nvPr>
+        </p:nvSpPr>
+        <p:spPr>
+          <a:xfrm>
+            <a:off x="457200" y="188640"/>
+            <a:ext cx="8229600" cy="1143000"/>
+          </a:xfrm>
+        </p:spPr>
+        <p:txBody>
+          <a:bodyPr/>
+          <a:lstStyle/>
+          <a:p>
+            <a:r>
+              <a:rPr lang="es-MX" dirty="0" smtClean="0">
+                <a:latin typeface="Gill Sans MT" panose="020B0502020104020203" pitchFamily="34" charset="0"/>
+              </a:rPr>
+              <a:t>Propuesta</a:t>
+            </a:r>
+            <a:endParaRPr lang="es-MX" dirty="0">
+              <a:latin typeface="Gill Sans MT" panose="020B0502020104020203" pitchFamily="34" charset="0"/>
+            </a:endParaRPr>
+          </a:p>
+        </p:txBody>
+      </p:sp>
+      <p:sp>
+        <p:nvSpPr>
+          <p:cNvPr id="4" name="3 Rectángulo"/>
+          <p:cNvSpPr/>
+          <p:nvPr/>
+        </p:nvSpPr>
+        <p:spPr>
+          <a:xfrm>
+            <a:off x="10313" y="1124744"/>
+            <a:ext cx="9144000" cy="72008"/>
+          </a:xfrm>
+          <a:prstGeom prst="rect">
+            <a:avLst/>
+          </a:prstGeom>
+          <a:solidFill>
+            <a:srgbClr val="DD23C7"/>
+          </a:solidFill>
+          <a:ln>
+            <a:noFill/>
+          </a:ln>
+        </p:spPr>
+        <p:style>
+          <a:lnRef idx="2">
+            <a:schemeClr val="accent1">
+              <a:shade val="50000"/>
+            </a:schemeClr>
+          </a:lnRef>
+          <a:fillRef idx="1">
+            <a:schemeClr val="accent1"/>
+          </a:fillRef>
+          <a:effectRef idx="0">
+            <a:schemeClr val="accent1"/>
+          </a:effectRef>
+          <a:fontRef idx="minor">
+            <a:schemeClr val="lt1"/>
+          </a:fontRef>
+        </p:style>
+        <p:txBody>
+          <a:bodyPr rtlCol="0" anchor="ctr"/>
+          <a:lstStyle/>
+          <a:p>
+            <a:pPr algn="ctr"/>
+            <a:endParaRPr lang="es-MX"/>
+          </a:p>
+        </p:txBody>
+      </p:sp>
+      <p:sp>
+        <p:nvSpPr>
+          <p:cNvPr id="5" name="4 Rectángulo"/>
+          <p:cNvSpPr/>
+          <p:nvPr/>
+        </p:nvSpPr>
+        <p:spPr>
+          <a:xfrm>
+            <a:off x="10313" y="1268760"/>
+            <a:ext cx="9144000" cy="144016"/>
+          </a:xfrm>
+          <a:prstGeom prst="rect">
+            <a:avLst/>
+          </a:prstGeom>
+          <a:solidFill>
+            <a:srgbClr val="004F9C"/>
+          </a:solidFill>
+          <a:ln>
+            <a:noFill/>
+          </a:ln>
+        </p:spPr>
+        <p:style>
+          <a:lnRef idx="2">
+            <a:schemeClr val="accent1">
+              <a:shade val="50000"/>
+            </a:schemeClr>
+          </a:lnRef>
+          <a:fillRef idx="1">
+            <a:schemeClr val="accent1"/>
+          </a:fillRef>
+          <a:effectRef idx="0">
+            <a:schemeClr val="accent1"/>
+          </a:effectRef>
+          <a:fontRef idx="minor">
+            <a:schemeClr val="lt1"/>
+          </a:fontRef>
+        </p:style>
+        <p:txBody>
+          <a:bodyPr rtlCol="0" anchor="ctr"/>
+          <a:lstStyle/>
+          <a:p>
+            <a:pPr algn="ctr"/>
+            <a:endParaRPr lang="es-MX"/>
+          </a:p>
+        </p:txBody>
+      </p:sp>
+      <p:sp>
+        <p:nvSpPr>
+          <p:cNvPr id="7" name="6 Marcador de número de diapositiva"/>
+          <p:cNvSpPr>
+            <a:spLocks noGrp="1"/>
+          </p:cNvSpPr>
+          <p:nvPr>
+            <p:ph type="sldNum" sz="quarter" idx="12"/>
+          </p:nvPr>
+        </p:nvSpPr>
+        <p:spPr/>
+        <p:txBody>
+          <a:bodyPr/>
+          <a:lstStyle/>
+          <a:p>
+            <a:fld id="{3C9ABA9E-4878-471D-9273-2841A9D0AB0C}" type="slidenum">
+              <a:rPr lang="es-MX" smtClean="0"/>
+              <a:t>5</a:t>
+            </a:fld>
+            <a:endParaRPr lang="es-MX"/>
+          </a:p>
+        </p:txBody>
+      </p:sp>
+      <p:pic>
+        <p:nvPicPr>
+          <p:cNvPr id="8" name="7 Imagen"/>
+          <p:cNvPicPr>
+            <a:picLocks noChangeAspect="1"/>
+          </p:cNvPicPr>
+          <p:nvPr/>
+        </p:nvPicPr>
+        <p:blipFill>
+          <a:blip r:embed="rId3" cstate="print">
+            <a:extLst>
+              <a:ext uri="{28A0092B-C50C-407E-A947-70E740481C1C}">
+                <a14:useLocalDpi xmlns:a14="http://schemas.microsoft.com/office/drawing/2010/main" val="0"/>
+              </a:ext>
+            </a:extLst>
+          </a:blip>
+          <a:stretch>
+            <a:fillRect/>
+          </a:stretch>
+        </p:blipFill>
+        <p:spPr>
+          <a:xfrm>
+            <a:off x="307594" y="6309320"/>
+            <a:ext cx="256165" cy="362070"/>
+          </a:xfrm>
+          <a:prstGeom prst="rect">
+            <a:avLst/>
+          </a:prstGeom>
+        </p:spPr>
+      </p:pic>
+      <p:sp>
+        <p:nvSpPr>
+          <p:cNvPr id="6" name="5 Marcador de contenido"/>
+          <p:cNvSpPr>
+            <a:spLocks noGrp="1"/>
+          </p:cNvSpPr>
+          <p:nvPr>
+            <p:ph idx="1"/>
+          </p:nvPr>
+        </p:nvSpPr>
+        <p:spPr/>
+        <p:txBody>
+          <a:bodyPr/>
+          <a:lstStyle/>
+          <a:p>
+            <a:r>
+              <a:rPr lang="es-MX" dirty="0" smtClean="0"/>
+              <a:t>Integración de Salud Xalapa en la Secretaría de Salud</a:t>
+            </a:r>
+            <a:endParaRPr lang="es-MX" dirty="0"/>
+          </a:p>
+        </p:txBody>
+      </p:sp>
+    </p:spTree>
+    <p:extLst>
+      <p:ext uri="{BB962C8B-B14F-4D97-AF65-F5344CB8AC3E}">
+        <p14:creationId xmlns:p14="http://schemas.microsoft.com/office/powerpoint/2010/main" val="1812543931"/>
+      </p:ext>
+    </p:extLst>
+  </p:cSld>
+  <p:clrMapOvr>
+    <a:masterClrMapping/>
+  </p:clrMapOvr>
+  <mc:AlternateContent xmlns:mc="http://schemas.openxmlformats.org/markup-compatibility/2006" xmlns:p14="http://schemas.microsoft.com/office/powerpoint/2010/main">
+    <mc:Choice Requires="p14">
+      <p:transition spd="med" p14:dur="700">
+        <p:fade/>
+      </p:transition>
+    </mc:Choice>
+    <mc:Fallback xmlns="">
+      <p:transition spd="med">
+        <p:fade/>
+      </p:transition>
+    </mc:Fallback>
+  </mc:AlternateContent>
+  <p:timing>
+    <p:tnLst>
+      <p:par>
+        <p:cTn id="1" dur="indefinite" restart="never" nodeType="tmRoot"/>
+      </p:par>
+    </p:tnLst>
+  </p:timing>
+</p:sld>
+</file>
+
+<file path=ppt/slides/slide6.xml><?xml version="1.0" encoding="utf-8"?>
+<p:sld xmlns:a="http://schemas.openxmlformats.org/drawingml/2006/main" xmlns:r="http://schemas.openxmlformats.org/officeDocument/2006/relationships" xmlns:p="http://schemas.openxmlformats.org/presentationml/2006/main">
+  <p:cSld>
+    <p:spTree>
+      <p:nvGrpSpPr>
+        <p:cNvPr id="1" name=""/>
+        <p:cNvGrpSpPr/>
+        <p:nvPr/>
+      </p:nvGrpSpPr>
+      <p:grpSpPr>
+        <a:xfrm>
+          <a:off x="0" y="0"/>
+          <a:ext cx="0" cy="0"/>
+          <a:chOff x="0" y="0"/>
+          <a:chExt cx="0" cy="0"/>
+        </a:xfrm>
+      </p:grpSpPr>
+      <p:sp>
+        <p:nvSpPr>
+          <p:cNvPr id="2" name="1 Título"/>
+          <p:cNvSpPr>
+            <a:spLocks noGrp="1"/>
+          </p:cNvSpPr>
+          <p:nvPr>
+            <p:ph type="title"/>
+          </p:nvPr>
+        </p:nvSpPr>
+        <p:spPr>
+          <a:xfrm>
+            <a:off x="457200" y="188640"/>
+            <a:ext cx="8229600" cy="1143000"/>
+          </a:xfrm>
+        </p:spPr>
+        <p:txBody>
+          <a:bodyPr/>
+          <a:lstStyle/>
+          <a:p>
+            <a:r>
+              <a:rPr lang="es-MX" dirty="0" smtClean="0">
+                <a:latin typeface="Gill Sans MT" panose="020B0502020104020203" pitchFamily="34" charset="0"/>
+              </a:rPr>
+              <a:t>Funcionalidad y experiencia</a:t>
+            </a:r>
+            <a:endParaRPr lang="es-MX" dirty="0">
+              <a:latin typeface="Gill Sans MT" panose="020B0502020104020203" pitchFamily="34" charset="0"/>
+            </a:endParaRPr>
+          </a:p>
+        </p:txBody>
+      </p:sp>
+      <p:sp>
+        <p:nvSpPr>
+          <p:cNvPr id="4" name="3 Rectángulo"/>
+          <p:cNvSpPr/>
+          <p:nvPr/>
+        </p:nvSpPr>
+        <p:spPr>
+          <a:xfrm>
+            <a:off x="10313" y="1124744"/>
+            <a:ext cx="9144000" cy="72008"/>
+          </a:xfrm>
+          <a:prstGeom prst="rect">
+            <a:avLst/>
+          </a:prstGeom>
+          <a:solidFill>
+            <a:srgbClr val="DD23C7"/>
+          </a:solidFill>
+          <a:ln>
+            <a:noFill/>
+          </a:ln>
+        </p:spPr>
+        <p:style>
+          <a:lnRef idx="2">
+            <a:schemeClr val="accent1">
+              <a:shade val="50000"/>
+            </a:schemeClr>
+          </a:lnRef>
+          <a:fillRef idx="1">
+            <a:schemeClr val="accent1"/>
+          </a:fillRef>
+          <a:effectRef idx="0">
+            <a:schemeClr val="accent1"/>
+          </a:effectRef>
+          <a:fontRef idx="minor">
+            <a:schemeClr val="lt1"/>
+          </a:fontRef>
+        </p:style>
+        <p:txBody>
+          <a:bodyPr rtlCol="0" anchor="ctr"/>
+          <a:lstStyle/>
+          <a:p>
+            <a:pPr algn="ctr"/>
+            <a:endParaRPr lang="es-MX"/>
+          </a:p>
+        </p:txBody>
+      </p:sp>
+      <p:sp>
+        <p:nvSpPr>
+          <p:cNvPr id="5" name="4 Rectángulo"/>
+          <p:cNvSpPr/>
+          <p:nvPr/>
+        </p:nvSpPr>
+        <p:spPr>
+          <a:xfrm>
+            <a:off x="10313" y="1268760"/>
+            <a:ext cx="9144000" cy="144016"/>
+          </a:xfrm>
+          <a:prstGeom prst="rect">
+            <a:avLst/>
+          </a:prstGeom>
+          <a:solidFill>
+            <a:srgbClr val="004F9C"/>
+          </a:solidFill>
+          <a:ln>
+            <a:noFill/>
+          </a:ln>
+        </p:spPr>
+        <p:style>
+          <a:lnRef idx="2">
+            <a:schemeClr val="accent1">
+              <a:shade val="50000"/>
+            </a:schemeClr>
+          </a:lnRef>
+          <a:fillRef idx="1">
+            <a:schemeClr val="accent1"/>
+          </a:fillRef>
+          <a:effectRef idx="0">
+            <a:schemeClr val="accent1"/>
+          </a:effectRef>
+          <a:fontRef idx="minor">
+            <a:schemeClr val="lt1"/>
+          </a:fontRef>
+        </p:style>
+        <p:txBody>
+          <a:bodyPr rtlCol="0" anchor="ctr"/>
+          <a:lstStyle/>
+          <a:p>
+            <a:pPr algn="ctr"/>
+            <a:endParaRPr lang="es-MX"/>
+          </a:p>
+        </p:txBody>
+      </p:sp>
+      <p:sp>
+        <p:nvSpPr>
+          <p:cNvPr id="7" name="6 Marcador de número de diapositiva"/>
+          <p:cNvSpPr>
+            <a:spLocks noGrp="1"/>
+          </p:cNvSpPr>
+          <p:nvPr>
+            <p:ph type="sldNum" sz="quarter" idx="12"/>
+          </p:nvPr>
+        </p:nvSpPr>
+        <p:spPr/>
+        <p:txBody>
+          <a:bodyPr/>
+          <a:lstStyle/>
+          <a:p>
+            <a:fld id="{3C9ABA9E-4878-471D-9273-2841A9D0AB0C}" type="slidenum">
+              <a:rPr lang="es-MX" smtClean="0"/>
+              <a:t>6</a:t>
+            </a:fld>
+            <a:endParaRPr lang="es-MX"/>
+          </a:p>
+        </p:txBody>
+      </p:sp>
+      <p:pic>
+        <p:nvPicPr>
+          <p:cNvPr id="8" name="7 Imagen"/>
+          <p:cNvPicPr>
+            <a:picLocks noChangeAspect="1"/>
+          </p:cNvPicPr>
+          <p:nvPr/>
+        </p:nvPicPr>
+        <p:blipFill>
+          <a:blip r:embed="rId3" cstate="print">
+            <a:extLst>
+              <a:ext uri="{28A0092B-C50C-407E-A947-70E740481C1C}">
+                <a14:useLocalDpi xmlns:a14="http://schemas.microsoft.com/office/drawing/2010/main" val="0"/>
+              </a:ext>
+            </a:extLst>
+          </a:blip>
+          <a:stretch>
+            <a:fillRect/>
+          </a:stretch>
+        </p:blipFill>
+        <p:spPr>
+          <a:xfrm>
+            <a:off x="307594" y="6309320"/>
+            <a:ext cx="256165" cy="362070"/>
+          </a:xfrm>
+          <a:prstGeom prst="rect">
+            <a:avLst/>
+          </a:prstGeom>
+        </p:spPr>
+      </p:pic>
+      <p:sp>
+        <p:nvSpPr>
+          <p:cNvPr id="6" name="5 Marcador de contenido"/>
+          <p:cNvSpPr>
+            <a:spLocks noGrp="1"/>
+          </p:cNvSpPr>
+          <p:nvPr>
+            <p:ph idx="1"/>
+          </p:nvPr>
+        </p:nvSpPr>
+        <p:spPr/>
+        <p:txBody>
+          <a:bodyPr/>
+          <a:lstStyle/>
+          <a:p>
+            <a:endParaRPr lang="es-MX" dirty="0"/>
+          </a:p>
+        </p:txBody>
+      </p:sp>
+    </p:spTree>
+    <p:extLst>
+      <p:ext uri="{BB962C8B-B14F-4D97-AF65-F5344CB8AC3E}">
+        <p14:creationId xmlns:p14="http://schemas.microsoft.com/office/powerpoint/2010/main" val="810599998"/>
+      </p:ext>
+    </p:extLst>
+  </p:cSld>
+  <p:clrMapOvr>
+    <a:masterClrMapping/>
+  </p:clrMapOvr>
+  <mc:AlternateContent xmlns:mc="http://schemas.openxmlformats.org/markup-compatibility/2006" xmlns:p14="http://schemas.microsoft.com/office/powerpoint/2010/main">
+    <mc:Choice Requires="p14">
+      <p:transition spd="med" p14:dur="700">
+        <p:fade/>
+      </p:transition>
+    </mc:Choice>
+    <mc:Fallback xmlns="">
+      <p:transition spd="med">
+        <p:fade/>
+      </p:transition>
+    </mc:Fallback>
+  </mc:AlternateContent>
+  <p:timing>
+    <p:tnLst>
+      <p:par>
+        <p:cTn id="1" dur="indefinite" restart="never" nodeType="tmRoot"/>
+      </p:par>
+    </p:tnLst>
+  </p:timing>
+</p:sld>
+</file>
+
+<file path=ppt/slides/slide7.xml><?xml version="1.0" encoding="utf-8"?>
+<p:sld xmlns:a="http://schemas.openxmlformats.org/drawingml/2006/main" xmlns:r="http://schemas.openxmlformats.org/officeDocument/2006/relationships" xmlns:p="http://schemas.openxmlformats.org/presentationml/2006/main">
+  <p:cSld>
+    <p:spTree>
+      <p:nvGrpSpPr>
+        <p:cNvPr id="1" name=""/>
+        <p:cNvGrpSpPr/>
+        <p:nvPr/>
+      </p:nvGrpSpPr>
+      <p:grpSpPr>
+        <a:xfrm>
+          <a:off x="0" y="0"/>
+          <a:ext cx="0" cy="0"/>
+          <a:chOff x="0" y="0"/>
+          <a:chExt cx="0" cy="0"/>
+        </a:xfrm>
+      </p:grpSpPr>
+      <p:sp>
+        <p:nvSpPr>
+          <p:cNvPr id="2" name="1 Título"/>
+          <p:cNvSpPr>
+            <a:spLocks noGrp="1"/>
+          </p:cNvSpPr>
+          <p:nvPr>
+            <p:ph type="title"/>
+          </p:nvPr>
+        </p:nvSpPr>
+        <p:spPr>
+          <a:xfrm>
+            <a:off x="457200" y="188640"/>
+            <a:ext cx="8229600" cy="1143000"/>
+          </a:xfrm>
+        </p:spPr>
+        <p:txBody>
+          <a:bodyPr/>
+          <a:lstStyle/>
+          <a:p>
+            <a:r>
+              <a:rPr lang="es-MX" dirty="0" err="1" smtClean="0">
+                <a:latin typeface="Gill Sans MT" panose="020B0502020104020203" pitchFamily="34" charset="0"/>
+              </a:rPr>
+              <a:t>Mockups</a:t>
+            </a:r>
+            <a:endParaRPr lang="es-MX" dirty="0">
+              <a:latin typeface="Gill Sans MT" panose="020B0502020104020203" pitchFamily="34" charset="0"/>
+            </a:endParaRPr>
+          </a:p>
+        </p:txBody>
+      </p:sp>
+      <p:sp>
+        <p:nvSpPr>
+          <p:cNvPr id="4" name="3 Rectángulo"/>
+          <p:cNvSpPr/>
+          <p:nvPr/>
+        </p:nvSpPr>
+        <p:spPr>
+          <a:xfrm>
+            <a:off x="10313" y="1124744"/>
+            <a:ext cx="9144000" cy="72008"/>
+          </a:xfrm>
+          <a:prstGeom prst="rect">
+            <a:avLst/>
+          </a:prstGeom>
+          <a:solidFill>
+            <a:srgbClr val="DD23C7"/>
+          </a:solidFill>
+          <a:ln>
+            <a:noFill/>
+          </a:ln>
+        </p:spPr>
+        <p:style>
+          <a:lnRef idx="2">
+            <a:schemeClr val="accent1">
+              <a:shade val="50000"/>
+            </a:schemeClr>
+          </a:lnRef>
+          <a:fillRef idx="1">
+            <a:schemeClr val="accent1"/>
+          </a:fillRef>
+          <a:effectRef idx="0">
+            <a:schemeClr val="accent1"/>
+          </a:effectRef>
+          <a:fontRef idx="minor">
+            <a:schemeClr val="lt1"/>
+          </a:fontRef>
+        </p:style>
+        <p:txBody>
+          <a:bodyPr rtlCol="0" anchor="ctr"/>
+          <a:lstStyle/>
+          <a:p>
+            <a:pPr algn="ctr"/>
+            <a:endParaRPr lang="es-MX"/>
+          </a:p>
+        </p:txBody>
+      </p:sp>
+      <p:sp>
+        <p:nvSpPr>
+          <p:cNvPr id="5" name="4 Rectángulo"/>
+          <p:cNvSpPr/>
+          <p:nvPr/>
+        </p:nvSpPr>
+        <p:spPr>
+          <a:xfrm>
+            <a:off x="10313" y="1268760"/>
+            <a:ext cx="9144000" cy="144016"/>
+          </a:xfrm>
+          <a:prstGeom prst="rect">
+            <a:avLst/>
+          </a:prstGeom>
+          <a:solidFill>
+            <a:srgbClr val="004F9C"/>
+          </a:solidFill>
+          <a:ln>
+            <a:noFill/>
+          </a:ln>
+        </p:spPr>
+        <p:style>
+          <a:lnRef idx="2">
+            <a:schemeClr val="accent1">
+              <a:shade val="50000"/>
+            </a:schemeClr>
+          </a:lnRef>
+          <a:fillRef idx="1">
+            <a:schemeClr val="accent1"/>
+          </a:fillRef>
+          <a:effectRef idx="0">
+            <a:schemeClr val="accent1"/>
+          </a:effectRef>
+          <a:fontRef idx="minor">
+            <a:schemeClr val="lt1"/>
+          </a:fontRef>
+        </p:style>
+        <p:txBody>
+          <a:bodyPr rtlCol="0" anchor="ctr"/>
+          <a:lstStyle/>
+          <a:p>
+            <a:pPr algn="ctr"/>
+            <a:endParaRPr lang="es-MX"/>
+          </a:p>
+        </p:txBody>
+      </p:sp>
+      <p:sp>
+        <p:nvSpPr>
+          <p:cNvPr id="7" name="6 Marcador de número de diapositiva"/>
+          <p:cNvSpPr>
+            <a:spLocks noGrp="1"/>
+          </p:cNvSpPr>
+          <p:nvPr>
+            <p:ph type="sldNum" sz="quarter" idx="12"/>
+          </p:nvPr>
+        </p:nvSpPr>
+        <p:spPr/>
+        <p:txBody>
+          <a:bodyPr/>
+          <a:lstStyle/>
+          <a:p>
+            <a:fld id="{3C9ABA9E-4878-471D-9273-2841A9D0AB0C}" type="slidenum">
+              <a:rPr lang="es-MX" smtClean="0"/>
+              <a:t>7</a:t>
+            </a:fld>
+            <a:endParaRPr lang="es-MX"/>
+          </a:p>
+        </p:txBody>
+      </p:sp>
+      <p:pic>
+        <p:nvPicPr>
+          <p:cNvPr id="8" name="7 Imagen"/>
+          <p:cNvPicPr>
+            <a:picLocks noChangeAspect="1"/>
+          </p:cNvPicPr>
+          <p:nvPr/>
+        </p:nvPicPr>
+        <p:blipFill>
+          <a:blip r:embed="rId3" cstate="print">
+            <a:extLst>
+              <a:ext uri="{28A0092B-C50C-407E-A947-70E740481C1C}">
+                <a14:useLocalDpi xmlns:a14="http://schemas.microsoft.com/office/drawing/2010/main" val="0"/>
+              </a:ext>
+            </a:extLst>
+          </a:blip>
+          <a:stretch>
+            <a:fillRect/>
+          </a:stretch>
+        </p:blipFill>
+        <p:spPr>
+          <a:xfrm>
+            <a:off x="307594" y="6309320"/>
+            <a:ext cx="256165" cy="362070"/>
+          </a:xfrm>
+          <a:prstGeom prst="rect">
+            <a:avLst/>
+          </a:prstGeom>
+        </p:spPr>
+      </p:pic>
+      <p:sp>
+        <p:nvSpPr>
+          <p:cNvPr id="6" name="5 Marcador de contenido"/>
+          <p:cNvSpPr>
+            <a:spLocks noGrp="1"/>
+          </p:cNvSpPr>
+          <p:nvPr>
+            <p:ph idx="1"/>
+          </p:nvPr>
+        </p:nvSpPr>
+        <p:spPr/>
+        <p:txBody>
+          <a:bodyPr/>
+          <a:lstStyle/>
+          <a:p>
+            <a:endParaRPr lang="es-MX" dirty="0"/>
+          </a:p>
+        </p:txBody>
+      </p:sp>
+    </p:spTree>
+    <p:extLst>
+      <p:ext uri="{BB962C8B-B14F-4D97-AF65-F5344CB8AC3E}">
+        <p14:creationId xmlns:p14="http://schemas.microsoft.com/office/powerpoint/2010/main" val="2414970861"/>
+      </p:ext>
+    </p:extLst>
+  </p:cSld>
+  <p:clrMapOvr>
+    <a:masterClrMapping/>
+  </p:clrMapOvr>
+  <mc:AlternateContent xmlns:mc="http://schemas.openxmlformats.org/markup-compatibility/2006" xmlns:p14="http://schemas.microsoft.com/office/powerpoint/2010/main">
+    <mc:Choice Requires="p14">
+      <p:transition spd="med" p14:dur="700">
+        <p:fade/>
+      </p:transition>
+    </mc:Choice>
+    <mc:Fallback xmlns="">
+      <p:transition spd="med">
+        <p:fade/>
+      </p:transition>
+    </mc:Fallback>
+  </mc:AlternateContent>
+  <p:timing>
+    <p:tnLst>
+      <p:par>
+        <p:cTn id="1" dur="indefinite" restart="never" nodeType="tmRoot"/>
+      </p:par>
+    </p:tnLst>
+  </p:timing>
+</p:sld>
+</file>
+
+<file path=ppt/slides/slide8.xml><?xml version="1.0" encoding="utf-8"?>
+<p:sld xmlns:a="http://schemas.openxmlformats.org/drawingml/2006/main" xmlns:r="http://schemas.openxmlformats.org/officeDocument/2006/relationships" xmlns:p="http://schemas.openxmlformats.org/presentationml/2006/main">
+  <p:cSld>
+    <p:spTree>
+      <p:nvGrpSpPr>
+        <p:cNvPr id="1" name=""/>
+        <p:cNvGrpSpPr/>
+        <p:nvPr/>
+      </p:nvGrpSpPr>
+      <p:grpSpPr>
+        <a:xfrm>
+          <a:off x="0" y="0"/>
+          <a:ext cx="0" cy="0"/>
+          <a:chOff x="0" y="0"/>
+          <a:chExt cx="0" cy="0"/>
+        </a:xfrm>
+      </p:grpSpPr>
+      <p:sp>
+        <p:nvSpPr>
+          <p:cNvPr id="2" name="1 Título"/>
+          <p:cNvSpPr>
+            <a:spLocks noGrp="1"/>
+          </p:cNvSpPr>
+          <p:nvPr>
+            <p:ph type="title"/>
+          </p:nvPr>
+        </p:nvSpPr>
+        <p:spPr>
+          <a:xfrm>
+            <a:off x="457200" y="188640"/>
+            <a:ext cx="8229600" cy="1143000"/>
+          </a:xfrm>
+        </p:spPr>
+        <p:txBody>
+          <a:bodyPr/>
+          <a:lstStyle/>
+          <a:p>
+            <a:r>
+              <a:rPr lang="es-MX" dirty="0" smtClean="0">
+                <a:latin typeface="Gill Sans MT" panose="020B0502020104020203" pitchFamily="34" charset="0"/>
+              </a:rPr>
+              <a:t>Arquitectura</a:t>
+            </a:r>
+            <a:endParaRPr lang="es-MX" dirty="0">
+              <a:latin typeface="Gill Sans MT" panose="020B0502020104020203" pitchFamily="34" charset="0"/>
+            </a:endParaRPr>
+          </a:p>
+        </p:txBody>
+      </p:sp>
+      <p:sp>
+        <p:nvSpPr>
+          <p:cNvPr id="4" name="3 Rectángulo"/>
+          <p:cNvSpPr/>
+          <p:nvPr/>
+        </p:nvSpPr>
+        <p:spPr>
+          <a:xfrm>
+            <a:off x="10313" y="1124744"/>
+            <a:ext cx="9144000" cy="72008"/>
+          </a:xfrm>
+          <a:prstGeom prst="rect">
+            <a:avLst/>
+          </a:prstGeom>
+          <a:solidFill>
+            <a:srgbClr val="DD23C7"/>
+          </a:solidFill>
+          <a:ln>
+            <a:noFill/>
+          </a:ln>
+        </p:spPr>
+        <p:style>
+          <a:lnRef idx="2">
+            <a:schemeClr val="accent1">
+              <a:shade val="50000"/>
+            </a:schemeClr>
+          </a:lnRef>
+          <a:fillRef idx="1">
+            <a:schemeClr val="accent1"/>
+          </a:fillRef>
+          <a:effectRef idx="0">
+            <a:schemeClr val="accent1"/>
+          </a:effectRef>
+          <a:fontRef idx="minor">
+            <a:schemeClr val="lt1"/>
+          </a:fontRef>
+        </p:style>
+        <p:txBody>
+          <a:bodyPr rtlCol="0" anchor="ctr"/>
+          <a:lstStyle/>
+          <a:p>
+            <a:pPr algn="ctr"/>
+            <a:endParaRPr lang="es-MX"/>
+          </a:p>
+        </p:txBody>
+      </p:sp>
+      <p:sp>
+        <p:nvSpPr>
+          <p:cNvPr id="5" name="4 Rectángulo"/>
+          <p:cNvSpPr/>
+          <p:nvPr/>
+        </p:nvSpPr>
+        <p:spPr>
+          <a:xfrm>
+            <a:off x="10313" y="1268760"/>
+            <a:ext cx="9144000" cy="144016"/>
+          </a:xfrm>
+          <a:prstGeom prst="rect">
+            <a:avLst/>
+          </a:prstGeom>
+          <a:solidFill>
+            <a:srgbClr val="004F9C"/>
+          </a:solidFill>
+          <a:ln>
+            <a:noFill/>
+          </a:ln>
+        </p:spPr>
+        <p:style>
+          <a:lnRef idx="2">
+            <a:schemeClr val="accent1">
+              <a:shade val="50000"/>
+            </a:schemeClr>
+          </a:lnRef>
+          <a:fillRef idx="1">
+            <a:schemeClr val="accent1"/>
+          </a:fillRef>
+          <a:effectRef idx="0">
+            <a:schemeClr val="accent1"/>
+          </a:effectRef>
+          <a:fontRef idx="minor">
+            <a:schemeClr val="lt1"/>
+          </a:fontRef>
+        </p:style>
+        <p:txBody>
+          <a:bodyPr rtlCol="0" anchor="ctr"/>
+          <a:lstStyle/>
+          <a:p>
+            <a:pPr algn="ctr"/>
+            <a:endParaRPr lang="es-MX"/>
+          </a:p>
+        </p:txBody>
+      </p:sp>
+      <p:sp>
+        <p:nvSpPr>
+          <p:cNvPr id="7" name="6 Marcador de número de diapositiva"/>
+          <p:cNvSpPr>
+            <a:spLocks noGrp="1"/>
+          </p:cNvSpPr>
+          <p:nvPr>
+            <p:ph type="sldNum" sz="quarter" idx="12"/>
+          </p:nvPr>
+        </p:nvSpPr>
+        <p:spPr/>
+        <p:txBody>
+          <a:bodyPr/>
+          <a:lstStyle/>
+          <a:p>
+            <a:fld id="{3C9ABA9E-4878-471D-9273-2841A9D0AB0C}" type="slidenum">
+              <a:rPr lang="es-MX" smtClean="0"/>
+              <a:t>8</a:t>
+            </a:fld>
+            <a:endParaRPr lang="es-MX"/>
+          </a:p>
+        </p:txBody>
+      </p:sp>
+      <p:pic>
+        <p:nvPicPr>
+          <p:cNvPr id="8" name="7 Imagen"/>
+          <p:cNvPicPr>
+            <a:picLocks noChangeAspect="1"/>
+          </p:cNvPicPr>
+          <p:nvPr/>
+        </p:nvPicPr>
+        <p:blipFill>
+          <a:blip r:embed="rId3" cstate="print">
+            <a:extLst>
+              <a:ext uri="{28A0092B-C50C-407E-A947-70E740481C1C}">
+                <a14:useLocalDpi xmlns:a14="http://schemas.microsoft.com/office/drawing/2010/main" val="0"/>
+              </a:ext>
+            </a:extLst>
+          </a:blip>
+          <a:stretch>
+            <a:fillRect/>
+          </a:stretch>
+        </p:blipFill>
+        <p:spPr>
+          <a:xfrm>
+            <a:off x="307594" y="6309320"/>
+            <a:ext cx="256165" cy="362070"/>
+          </a:xfrm>
+          <a:prstGeom prst="rect">
+            <a:avLst/>
+          </a:prstGeom>
+        </p:spPr>
+      </p:pic>
+      <p:sp>
+        <p:nvSpPr>
+          <p:cNvPr id="6" name="5 Marcador de contenido"/>
+          <p:cNvSpPr>
+            <a:spLocks noGrp="1"/>
+          </p:cNvSpPr>
+          <p:nvPr>
+            <p:ph idx="1"/>
+          </p:nvPr>
+        </p:nvSpPr>
+        <p:spPr/>
+        <p:txBody>
+          <a:bodyPr/>
+          <a:lstStyle/>
+          <a:p>
+            <a:endParaRPr lang="es-MX" dirty="0"/>
+          </a:p>
+        </p:txBody>
+      </p:sp>
+    </p:spTree>
+    <p:extLst>
+      <p:ext uri="{BB962C8B-B14F-4D97-AF65-F5344CB8AC3E}">
+        <p14:creationId xmlns:p14="http://schemas.microsoft.com/office/powerpoint/2010/main" val="478701555"/>
+      </p:ext>
+    </p:extLst>
+  </p:cSld>
+  <p:clrMapOvr>
+    <a:masterClrMapping/>
+  </p:clrMapOvr>
+  <mc:AlternateContent xmlns:mc="http://schemas.openxmlformats.org/markup-compatibility/2006" xmlns:p14="http://schemas.microsoft.com/office/powerpoint/2010/main">
+    <mc:Choice Requires="p14">
+      <p:transition spd="med" p14:dur="700">
+        <p:fade/>
+      </p:transition>
+    </mc:Choice>
+    <mc:Fallback xmlns="">
+      <p:transition spd="med">
+        <p:fade/>
+      </p:transition>
+    </mc:Fallback>
+  </mc:AlternateContent>
+  <p:timing>
+    <p:tnLst>
+      <p:par>
+        <p:cTn id="1" dur="indefinite" restart="never" nodeType="tmRoot"/>
+      </p:par>
+    </p:tnLst>
+  </p:timing>
+</p:sld>
+</file>
+
+<file path=ppt/slides/slide9.xml><?xml version="1.0" encoding="utf-8"?>
+<p:sld xmlns:a="http://schemas.openxmlformats.org/drawingml/2006/main" xmlns:r="http://schemas.openxmlformats.org/officeDocument/2006/relationships" xmlns:p="http://schemas.openxmlformats.org/presentationml/2006/main">
+  <p:cSld>
+    <p:spTree>
+      <p:nvGrpSpPr>
+        <p:cNvPr id="1" name=""/>
+        <p:cNvGrpSpPr/>
+        <p:nvPr/>
+      </p:nvGrpSpPr>
+      <p:grpSpPr>
+        <a:xfrm>
+          <a:off x="0" y="0"/>
+          <a:ext cx="0" cy="0"/>
+          <a:chOff x="0" y="0"/>
+          <a:chExt cx="0" cy="0"/>
+        </a:xfrm>
+      </p:grpSpPr>
+      <p:sp>
+        <p:nvSpPr>
+          <p:cNvPr id="2" name="1 Título"/>
+          <p:cNvSpPr>
+            <a:spLocks noGrp="1"/>
+          </p:cNvSpPr>
+          <p:nvPr>
+            <p:ph type="title"/>
+          </p:nvPr>
+        </p:nvSpPr>
+        <p:spPr>
+          <a:xfrm>
+            <a:off x="457200" y="188640"/>
+            <a:ext cx="8229600" cy="1143000"/>
+          </a:xfrm>
+        </p:spPr>
+        <p:txBody>
+          <a:bodyPr/>
+          <a:lstStyle/>
+          <a:p>
+            <a:r>
+              <a:rPr lang="es-MX" dirty="0" smtClean="0">
+                <a:latin typeface="Gill Sans MT" panose="020B0502020104020203" pitchFamily="34" charset="0"/>
+              </a:rPr>
+              <a:t>Tecnología</a:t>
+            </a:r>
+            <a:endParaRPr lang="es-MX" dirty="0">
+              <a:latin typeface="Gill Sans MT" panose="020B0502020104020203" pitchFamily="34" charset="0"/>
+            </a:endParaRPr>
+          </a:p>
+        </p:txBody>
+      </p:sp>
+      <p:sp>
+        <p:nvSpPr>
+          <p:cNvPr id="4" name="3 Rectángulo"/>
+          <p:cNvSpPr/>
+          <p:nvPr/>
+        </p:nvSpPr>
+        <p:spPr>
+          <a:xfrm>
+            <a:off x="10313" y="1124744"/>
+            <a:ext cx="9144000" cy="72008"/>
+          </a:xfrm>
+          <a:prstGeom prst="rect">
+            <a:avLst/>
+          </a:prstGeom>
+          <a:solidFill>
+            <a:srgbClr val="DD23C7"/>
+          </a:solidFill>
+          <a:ln>
+            <a:noFill/>
+          </a:ln>
+        </p:spPr>
+        <p:style>
+          <a:lnRef idx="2">
+            <a:schemeClr val="accent1">
+              <a:shade val="50000"/>
+            </a:schemeClr>
+          </a:lnRef>
+          <a:fillRef idx="1">
+            <a:schemeClr val="accent1"/>
+          </a:fillRef>
+          <a:effectRef idx="0">
+            <a:schemeClr val="accent1"/>
+          </a:effectRef>
+          <a:fontRef idx="minor">
+            <a:schemeClr val="lt1"/>
+          </a:fontRef>
+        </p:style>
+        <p:txBody>
+          <a:bodyPr rtlCol="0" anchor="ctr"/>
+          <a:lstStyle/>
+          <a:p>
+            <a:pPr algn="ctr"/>
+            <a:endParaRPr lang="es-MX"/>
+          </a:p>
+        </p:txBody>
+      </p:sp>
+      <p:sp>
+        <p:nvSpPr>
+          <p:cNvPr id="5" name="4 Rectángulo"/>
+          <p:cNvSpPr/>
+          <p:nvPr/>
+        </p:nvSpPr>
+        <p:spPr>
+          <a:xfrm>
+            <a:off x="10313" y="1268760"/>
+            <a:ext cx="9144000" cy="144016"/>
+          </a:xfrm>
+          <a:prstGeom prst="rect">
+            <a:avLst/>
+          </a:prstGeom>
+          <a:solidFill>
+            <a:srgbClr val="004F9C"/>
+          </a:solidFill>
+          <a:ln>
+            <a:noFill/>
+          </a:ln>
+        </p:spPr>
+        <p:style>
+          <a:lnRef idx="2">
+            <a:schemeClr val="accent1">
+              <a:shade val="50000"/>
+            </a:schemeClr>
+          </a:lnRef>
+          <a:fillRef idx="1">
+            <a:schemeClr val="accent1"/>
+          </a:fillRef>
+          <a:effectRef idx="0">
+            <a:schemeClr val="accent1"/>
+          </a:effectRef>
+          <a:fontRef idx="minor">
+            <a:schemeClr val="lt1"/>
+          </a:fontRef>
+        </p:style>
+        <p:txBody>
+          <a:bodyPr rtlCol="0" anchor="ctr"/>
+          <a:lstStyle/>
+          <a:p>
+            <a:pPr algn="ctr"/>
+            <a:endParaRPr lang="es-MX"/>
+          </a:p>
+        </p:txBody>
+      </p:sp>
+      <p:sp>
+        <p:nvSpPr>
+          <p:cNvPr id="7" name="6 Marcador de número de diapositiva"/>
+          <p:cNvSpPr>
+            <a:spLocks noGrp="1"/>
+          </p:cNvSpPr>
+          <p:nvPr>
+            <p:ph type="sldNum" sz="quarter" idx="12"/>
+          </p:nvPr>
+        </p:nvSpPr>
+        <p:spPr/>
+        <p:txBody>
+          <a:bodyPr/>
+          <a:lstStyle/>
+          <a:p>
+            <a:fld id="{3C9ABA9E-4878-471D-9273-2841A9D0AB0C}" type="slidenum">
+              <a:rPr lang="es-MX" smtClean="0"/>
+              <a:t>9</a:t>
+            </a:fld>
+            <a:endParaRPr lang="es-MX"/>
+          </a:p>
+        </p:txBody>
+      </p:sp>
+      <p:pic>
+        <p:nvPicPr>
+          <p:cNvPr id="8" name="7 Imagen"/>
+          <p:cNvPicPr>
+            <a:picLocks noChangeAspect="1"/>
+          </p:cNvPicPr>
+          <p:nvPr/>
+        </p:nvPicPr>
+        <p:blipFill>
+          <a:blip r:embed="rId3" cstate="print">
+            <a:extLst>
+              <a:ext uri="{28A0092B-C50C-407E-A947-70E740481C1C}">
+                <a14:useLocalDpi xmlns:a14="http://schemas.microsoft.com/office/drawing/2010/main" val="0"/>
+              </a:ext>
+            </a:extLst>
+          </a:blip>
+          <a:stretch>
+            <a:fillRect/>
+          </a:stretch>
+        </p:blipFill>
+        <p:spPr>
+          <a:xfrm>
+            <a:off x="307594" y="6309320"/>
+            <a:ext cx="256165" cy="362070"/>
+          </a:xfrm>
+          <a:prstGeom prst="rect">
+            <a:avLst/>
+          </a:prstGeom>
+        </p:spPr>
+      </p:pic>
+      <p:sp>
+        <p:nvSpPr>
+          <p:cNvPr id="6" name="5 Marcador de contenido"/>
+          <p:cNvSpPr>
+            <a:spLocks noGrp="1"/>
+          </p:cNvSpPr>
+          <p:nvPr>
+            <p:ph idx="1"/>
+          </p:nvPr>
+        </p:nvSpPr>
+        <p:spPr/>
+        <p:txBody>
+          <a:bodyPr/>
+          <a:lstStyle/>
+          <a:p>
+            <a:endParaRPr lang="es-MX" dirty="0"/>
+          </a:p>
+        </p:txBody>
+      </p:sp>
+    </p:spTree>
+    <p:extLst>
+      <p:ext uri="{BB962C8B-B14F-4D97-AF65-F5344CB8AC3E}">
+        <p14:creationId xmlns:p14="http://schemas.microsoft.com/office/powerpoint/2010/main" val="371769026"/>
       </p:ext>
     </p:extLst>
   </p:cSld>
